--- a/static/lectures/05_demo-data.pptx
+++ b/static/lectures/05_demo-data.pptx
@@ -5,7 +5,7 @@
     <p:sldMasterId id="2147483681" r:id="rId1"/>
   </p:sldMasterIdLst>
   <p:notesMasterIdLst>
-    <p:notesMasterId r:id="rId17"/>
+    <p:notesMasterId r:id="rId23"/>
   </p:notesMasterIdLst>
   <p:sldIdLst>
     <p:sldId id="256" r:id="rId2"/>
@@ -13,16 +13,22 @@
     <p:sldId id="259" r:id="rId4"/>
     <p:sldId id="272" r:id="rId5"/>
     <p:sldId id="271" r:id="rId6"/>
-    <p:sldId id="263" r:id="rId7"/>
-    <p:sldId id="288" r:id="rId8"/>
-    <p:sldId id="289" r:id="rId9"/>
-    <p:sldId id="292" r:id="rId10"/>
-    <p:sldId id="290" r:id="rId11"/>
-    <p:sldId id="291" r:id="rId12"/>
-    <p:sldId id="281" r:id="rId13"/>
-    <p:sldId id="270" r:id="rId14"/>
-    <p:sldId id="277" r:id="rId15"/>
-    <p:sldId id="287" r:id="rId16"/>
+    <p:sldId id="298" r:id="rId7"/>
+    <p:sldId id="263" r:id="rId8"/>
+    <p:sldId id="288" r:id="rId9"/>
+    <p:sldId id="289" r:id="rId10"/>
+    <p:sldId id="292" r:id="rId11"/>
+    <p:sldId id="290" r:id="rId12"/>
+    <p:sldId id="291" r:id="rId13"/>
+    <p:sldId id="281" r:id="rId14"/>
+    <p:sldId id="270" r:id="rId15"/>
+    <p:sldId id="277" r:id="rId16"/>
+    <p:sldId id="287" r:id="rId17"/>
+    <p:sldId id="293" r:id="rId18"/>
+    <p:sldId id="296" r:id="rId19"/>
+    <p:sldId id="297" r:id="rId20"/>
+    <p:sldId id="295" r:id="rId21"/>
+    <p:sldId id="294" r:id="rId22"/>
   </p:sldIdLst>
   <p:sldSz cx="9144000" cy="5143500" type="screen16x9"/>
   <p:notesSz cx="6858000" cy="9144000"/>
@@ -206,7 +212,7 @@
           <a:p>
             <a:fld id="{05B76329-9BDE-43DA-A433-FD89407A2D9A}" type="datetimeFigureOut">
               <a:rPr lang="en-US" smtClean="0"/>
-              <a:t>8/24/2018</a:t>
+              <a:t>10/15/2018</a:t>
             </a:fld>
             <a:endParaRPr lang="en-US"/>
           </a:p>
@@ -738,7 +744,7 @@
           <a:p>
             <a:fld id="{F098C6FC-3E98-44B4-909C-A72537908990}" type="slidenum">
               <a:rPr lang="en-US" smtClean="0"/>
-              <a:t>12</a:t>
+              <a:t>13</a:t>
             </a:fld>
             <a:endParaRPr lang="en-US"/>
           </a:p>
@@ -827,7 +833,7 @@
           <a:p>
             <a:fld id="{F098C6FC-3E98-44B4-909C-A72537908990}" type="slidenum">
               <a:rPr lang="en-US" smtClean="0"/>
-              <a:t>13</a:t>
+              <a:t>14</a:t>
             </a:fld>
             <a:endParaRPr lang="en-US"/>
           </a:p>
@@ -1003,7 +1009,7 @@
           <a:p>
             <a:fld id="{DC01BBA9-561A-4EFE-A06C-26F8206AAA61}" type="datetimeFigureOut">
               <a:rPr lang="en-US" smtClean="0"/>
-              <a:t>8/24/2018</a:t>
+              <a:t>10/15/2018</a:t>
             </a:fld>
             <a:endParaRPr lang="en-US"/>
           </a:p>
@@ -1268,7 +1274,7 @@
           <a:p>
             <a:fld id="{DC01BBA9-561A-4EFE-A06C-26F8206AAA61}" type="datetimeFigureOut">
               <a:rPr lang="en-US" smtClean="0"/>
-              <a:t>8/24/2018</a:t>
+              <a:t>10/15/2018</a:t>
             </a:fld>
             <a:endParaRPr lang="en-US"/>
           </a:p>
@@ -1420,7 +1426,7 @@
           <a:p>
             <a:fld id="{DC01BBA9-561A-4EFE-A06C-26F8206AAA61}" type="datetimeFigureOut">
               <a:rPr lang="en-US" smtClean="0"/>
-              <a:t>8/24/2018</a:t>
+              <a:t>10/15/2018</a:t>
             </a:fld>
             <a:endParaRPr lang="en-US"/>
           </a:p>
@@ -1798,7 +1804,7 @@
           <a:p>
             <a:fld id="{DC01BBA9-561A-4EFE-A06C-26F8206AAA61}" type="datetimeFigureOut">
               <a:rPr lang="en-US" smtClean="0"/>
-              <a:t>8/24/2018</a:t>
+              <a:t>10/15/2018</a:t>
             </a:fld>
             <a:endParaRPr lang="en-US"/>
           </a:p>
@@ -2038,7 +2044,7 @@
           <a:p>
             <a:fld id="{DC01BBA9-561A-4EFE-A06C-26F8206AAA61}" type="datetimeFigureOut">
               <a:rPr lang="en-US" smtClean="0"/>
-              <a:t>8/24/2018</a:t>
+              <a:t>10/15/2018</a:t>
             </a:fld>
             <a:endParaRPr lang="en-US"/>
           </a:p>
@@ -2287,7 +2293,7 @@
           <a:p>
             <a:fld id="{DC01BBA9-561A-4EFE-A06C-26F8206AAA61}" type="datetimeFigureOut">
               <a:rPr lang="en-US" smtClean="0"/>
-              <a:t>8/24/2018</a:t>
+              <a:t>10/15/2018</a:t>
             </a:fld>
             <a:endParaRPr lang="en-US"/>
           </a:p>
@@ -2717,7 +2723,7 @@
           <a:p>
             <a:fld id="{DC01BBA9-561A-4EFE-A06C-26F8206AAA61}" type="datetimeFigureOut">
               <a:rPr lang="en-US" smtClean="0"/>
-              <a:t>8/24/2018</a:t>
+              <a:t>10/15/2018</a:t>
             </a:fld>
             <a:endParaRPr lang="en-US"/>
           </a:p>
@@ -3093,7 +3099,7 @@
           <a:p>
             <a:fld id="{DC01BBA9-561A-4EFE-A06C-26F8206AAA61}" type="datetimeFigureOut">
               <a:rPr lang="en-US" smtClean="0"/>
-              <a:t>8/24/2018</a:t>
+              <a:t>10/15/2018</a:t>
             </a:fld>
             <a:endParaRPr lang="en-US"/>
           </a:p>
@@ -3292,7 +3298,7 @@
           <a:p>
             <a:fld id="{DC01BBA9-561A-4EFE-A06C-26F8206AAA61}" type="datetimeFigureOut">
               <a:rPr lang="en-US" smtClean="0"/>
-              <a:t>8/24/2018</a:t>
+              <a:t>10/15/2018</a:t>
             </a:fld>
             <a:endParaRPr lang="en-US"/>
           </a:p>
@@ -3951,7 +3957,7 @@
           <a:p>
             <a:r>
               <a:rPr lang="en-US" dirty="0" smtClean="0"/>
-              <a:t>Applications of matrix models</a:t>
+              <a:t>Building a matrix model</a:t>
             </a:r>
             <a:endParaRPr lang="en-US" dirty="0"/>
           </a:p>
@@ -3974,45 +3980,37 @@
           <a:p>
             <a:r>
               <a:rPr lang="en-US" dirty="0" smtClean="0"/>
-              <a:t>Which vital rate has the strongest effect on changing population growth rate (</a:t>
-            </a:r>
-            <a:r>
-              <a:rPr lang="el-GR" dirty="0" smtClean="0">
-                <a:latin typeface="Calibri"/>
-              </a:rPr>
-              <a:t>λ</a:t>
-            </a:r>
-            <a:r>
-              <a:rPr lang="en-US" dirty="0" smtClean="0">
-                <a:latin typeface="Calibri"/>
-              </a:rPr>
-              <a:t>)?</a:t>
+              <a:t>Can use combination of methods to fill in vital rates</a:t>
             </a:r>
           </a:p>
           <a:p>
             <a:pPr lvl="1"/>
             <a:r>
-              <a:rPr lang="en-US" dirty="0" smtClean="0">
-                <a:latin typeface="Calibri"/>
-              </a:rPr>
-              <a:t>Elasticity/sensitivity analysis</a:t>
+              <a:rPr lang="en-US" dirty="0" smtClean="0"/>
+              <a:t>Published in the literature</a:t>
             </a:r>
           </a:p>
           <a:p>
             <a:pPr lvl="1"/>
             <a:r>
-              <a:rPr lang="en-US" dirty="0" smtClean="0">
-                <a:latin typeface="Calibri"/>
-              </a:rPr>
-              <a:t>Implications for choosing conservation actions</a:t>
-            </a:r>
+              <a:rPr lang="en-US" dirty="0" smtClean="0"/>
+              <a:t>Primary analysis of data </a:t>
+            </a:r>
+          </a:p>
+          <a:p>
+            <a:pPr lvl="1"/>
+            <a:r>
+              <a:rPr lang="en-US" dirty="0" smtClean="0"/>
+              <a:t>Expert opinion</a:t>
+            </a:r>
+            <a:endParaRPr lang="en-US" dirty="0"/>
           </a:p>
         </p:txBody>
       </p:sp>
     </p:spTree>
     <p:extLst>
       <p:ext uri="{BB962C8B-B14F-4D97-AF65-F5344CB8AC3E}">
-        <p14:creationId xmlns:p14="http://schemas.microsoft.com/office/powerpoint/2010/main" val="270151841"/>
+        <p14:creationId xmlns:p14="http://schemas.microsoft.com/office/powerpoint/2010/main" val="596001709"/>
       </p:ext>
     </p:extLst>
   </p:cSld>
@@ -4063,7 +4061,7 @@
           <a:p>
             <a:r>
               <a:rPr lang="en-US" dirty="0" smtClean="0"/>
-              <a:t>Loggerhead sea turtle matrix model</a:t>
+              <a:t>Applications of matrix models</a:t>
             </a:r>
             <a:endParaRPr lang="en-US" dirty="0"/>
           </a:p>
@@ -4079,24 +4077,52 @@
             <p:ph sz="quarter" idx="1"/>
           </p:nvPr>
         </p:nvSpPr>
-        <p:spPr>
-          <a:xfrm>
-            <a:off x="4572000" y="914400"/>
-            <a:ext cx="4114800" cy="3703320"/>
-          </a:xfrm>
-        </p:spPr>
+        <p:spPr/>
         <p:txBody>
           <a:bodyPr/>
           <a:lstStyle/>
           <a:p>
-            <a:endParaRPr lang="en-US" dirty="0"/>
+            <a:r>
+              <a:rPr lang="en-US" dirty="0" smtClean="0"/>
+              <a:t>Which vital rate has the strongest effect on changing population growth rate (</a:t>
+            </a:r>
+            <a:r>
+              <a:rPr lang="el-GR" dirty="0" smtClean="0">
+                <a:latin typeface="Calibri"/>
+              </a:rPr>
+              <a:t>λ</a:t>
+            </a:r>
+            <a:r>
+              <a:rPr lang="en-US" dirty="0" smtClean="0">
+                <a:latin typeface="Calibri"/>
+              </a:rPr>
+              <a:t>)?</a:t>
+            </a:r>
+          </a:p>
+          <a:p>
+            <a:pPr lvl="1"/>
+            <a:r>
+              <a:rPr lang="en-US" dirty="0" smtClean="0">
+                <a:latin typeface="Calibri"/>
+              </a:rPr>
+              <a:t>Elasticity/sensitivity analysis</a:t>
+            </a:r>
+          </a:p>
+          <a:p>
+            <a:pPr lvl="1"/>
+            <a:r>
+              <a:rPr lang="en-US" dirty="0" smtClean="0">
+                <a:latin typeface="Calibri"/>
+              </a:rPr>
+              <a:t>Implications for choosing conservation actions</a:t>
+            </a:r>
           </a:p>
         </p:txBody>
       </p:sp>
     </p:spTree>
     <p:extLst>
       <p:ext uri="{BB962C8B-B14F-4D97-AF65-F5344CB8AC3E}">
-        <p14:creationId xmlns:p14="http://schemas.microsoft.com/office/powerpoint/2010/main" val="1311316734"/>
+        <p14:creationId xmlns:p14="http://schemas.microsoft.com/office/powerpoint/2010/main" val="270151841"/>
       </p:ext>
     </p:extLst>
   </p:cSld>
@@ -4140,6 +4166,90 @@
             <p:ph type="title"/>
           </p:nvPr>
         </p:nvSpPr>
+        <p:spPr/>
+        <p:txBody>
+          <a:bodyPr/>
+          <a:lstStyle/>
+          <a:p>
+            <a:r>
+              <a:rPr lang="en-US" dirty="0" smtClean="0"/>
+              <a:t>Loggerhead sea turtle matrix model</a:t>
+            </a:r>
+            <a:endParaRPr lang="en-US" dirty="0"/>
+          </a:p>
+        </p:txBody>
+      </p:sp>
+      <p:sp>
+        <p:nvSpPr>
+          <p:cNvPr id="3" name="Content Placeholder 2"/>
+          <p:cNvSpPr>
+            <a:spLocks noGrp="1"/>
+          </p:cNvSpPr>
+          <p:nvPr>
+            <p:ph sz="quarter" idx="1"/>
+          </p:nvPr>
+        </p:nvSpPr>
+        <p:spPr>
+          <a:xfrm>
+            <a:off x="4572000" y="914400"/>
+            <a:ext cx="4114800" cy="3703320"/>
+          </a:xfrm>
+        </p:spPr>
+        <p:txBody>
+          <a:bodyPr/>
+          <a:lstStyle/>
+          <a:p>
+            <a:endParaRPr lang="en-US" dirty="0"/>
+          </a:p>
+        </p:txBody>
+      </p:sp>
+    </p:spTree>
+    <p:extLst>
+      <p:ext uri="{BB962C8B-B14F-4D97-AF65-F5344CB8AC3E}">
+        <p14:creationId xmlns:p14="http://schemas.microsoft.com/office/powerpoint/2010/main" val="1311316734"/>
+      </p:ext>
+    </p:extLst>
+  </p:cSld>
+  <p:clrMapOvr>
+    <a:masterClrMapping/>
+  </p:clrMapOvr>
+  <p:timing>
+    <p:tnLst>
+      <p:par>
+        <p:cTn id="1" dur="indefinite" restart="never" nodeType="tmRoot"/>
+      </p:par>
+    </p:tnLst>
+  </p:timing>
+</p:sld>
+</file>
+
+<file path=ppt/slides/slide13.xml><?xml version="1.0" encoding="utf-8"?>
+<p:sld xmlns:a="http://schemas.openxmlformats.org/drawingml/2006/main" xmlns:r="http://schemas.openxmlformats.org/officeDocument/2006/relationships" xmlns:p="http://schemas.openxmlformats.org/presentationml/2006/main">
+  <p:cSld>
+    <p:spTree>
+      <p:nvGrpSpPr>
+        <p:cNvPr id="1" name=""/>
+        <p:cNvGrpSpPr/>
+        <p:nvPr/>
+      </p:nvGrpSpPr>
+      <p:grpSpPr>
+        <a:xfrm>
+          <a:off x="0" y="0"/>
+          <a:ext cx="0" cy="0"/>
+          <a:chOff x="0" y="0"/>
+          <a:chExt cx="0" cy="0"/>
+        </a:xfrm>
+      </p:grpSpPr>
+      <p:sp>
+        <p:nvSpPr>
+          <p:cNvPr id="2" name="Title 1"/>
+          <p:cNvSpPr>
+            <a:spLocks noGrp="1"/>
+          </p:cNvSpPr>
+          <p:nvPr>
+            <p:ph type="title"/>
+          </p:nvPr>
+        </p:nvSpPr>
         <p:spPr>
           <a:xfrm>
             <a:off x="457200" y="114300"/>
@@ -4184,11 +4294,7 @@
           <a:p>
             <a:r>
               <a:rPr lang="en-US" sz="2800" dirty="0" smtClean="0"/>
-              <a:t>Used to estimate transition probabilities among different physical sites or biological </a:t>
-            </a:r>
-            <a:r>
-              <a:rPr lang="en-US" sz="2800" dirty="0" smtClean="0"/>
-              <a:t>states</a:t>
+              <a:t>Used to estimate transition probabilities among different physical sites or biological states</a:t>
             </a:r>
           </a:p>
           <a:p>
@@ -4196,7 +4302,6 @@
               <a:rPr lang="en-US" sz="2800" dirty="0" smtClean="0"/>
               <a:t>Look similar to matrix models, but individuals can move back and forth between states</a:t>
             </a:r>
-            <a:endParaRPr lang="en-US" sz="2800" dirty="0" smtClean="0"/>
           </a:p>
           <a:p>
             <a:pPr lvl="1"/>
@@ -4251,7 +4356,7 @@
 </p:sld>
 </file>
 
-<file path=ppt/slides/slide13.xml><?xml version="1.0" encoding="utf-8"?>
+<file path=ppt/slides/slide14.xml><?xml version="1.0" encoding="utf-8"?>
 <p:sld xmlns:a="http://schemas.openxmlformats.org/drawingml/2006/main" xmlns:r="http://schemas.openxmlformats.org/officeDocument/2006/relationships" xmlns:p="http://schemas.openxmlformats.org/presentationml/2006/main">
   <p:cSld>
     <p:spTree>
@@ -7034,150 +7139,6 @@
 </p:sld>
 </file>
 
-<file path=ppt/slides/slide14.xml><?xml version="1.0" encoding="utf-8"?>
-<p:sld xmlns:a="http://schemas.openxmlformats.org/drawingml/2006/main" xmlns:r="http://schemas.openxmlformats.org/officeDocument/2006/relationships" xmlns:p="http://schemas.openxmlformats.org/presentationml/2006/main">
-  <p:cSld>
-    <p:spTree>
-      <p:nvGrpSpPr>
-        <p:cNvPr id="1" name=""/>
-        <p:cNvGrpSpPr/>
-        <p:nvPr/>
-      </p:nvGrpSpPr>
-      <p:grpSpPr>
-        <a:xfrm>
-          <a:off x="0" y="0"/>
-          <a:ext cx="0" cy="0"/>
-          <a:chOff x="0" y="0"/>
-          <a:chExt cx="0" cy="0"/>
-        </a:xfrm>
-      </p:grpSpPr>
-      <p:sp>
-        <p:nvSpPr>
-          <p:cNvPr id="2" name="Title 1"/>
-          <p:cNvSpPr>
-            <a:spLocks noGrp="1"/>
-          </p:cNvSpPr>
-          <p:nvPr>
-            <p:ph type="title"/>
-          </p:nvPr>
-        </p:nvSpPr>
-        <p:spPr/>
-        <p:txBody>
-          <a:bodyPr>
-            <a:normAutofit/>
-          </a:bodyPr>
-          <a:lstStyle/>
-          <a:p>
-            <a:r>
-              <a:rPr lang="en-US" sz="3200" dirty="0" smtClean="0"/>
-              <a:t>Extensions of multistate models</a:t>
-            </a:r>
-            <a:endParaRPr lang="en-US" sz="3200" dirty="0"/>
-          </a:p>
-        </p:txBody>
-      </p:sp>
-      <p:sp>
-        <p:nvSpPr>
-          <p:cNvPr id="3" name="Content Placeholder 2"/>
-          <p:cNvSpPr>
-            <a:spLocks noGrp="1"/>
-          </p:cNvSpPr>
-          <p:nvPr>
-            <p:ph sz="quarter" idx="1"/>
-          </p:nvPr>
-        </p:nvSpPr>
-        <p:spPr/>
-        <p:txBody>
-          <a:bodyPr>
-            <a:normAutofit/>
-          </a:bodyPr>
-          <a:lstStyle/>
-          <a:p>
-            <a:r>
-              <a:rPr lang="en-US" sz="2400" dirty="0" smtClean="0"/>
-              <a:t>Range of applications, not just individual mark-recapture data</a:t>
-            </a:r>
-          </a:p>
-          <a:p>
-            <a:r>
-              <a:rPr lang="en-US" sz="2400" dirty="0" smtClean="0"/>
-              <a:t>Used </a:t>
-            </a:r>
-            <a:r>
-              <a:rPr lang="en-US" sz="2400" dirty="0" smtClean="0"/>
-              <a:t>in both estimation and projection</a:t>
-            </a:r>
-          </a:p>
-          <a:p>
-            <a:r>
-              <a:rPr lang="en-US" sz="2400" dirty="0" smtClean="0"/>
-              <a:t>Migratory connectivity</a:t>
-            </a:r>
-          </a:p>
-          <a:p>
-            <a:pPr lvl="1"/>
-            <a:r>
-              <a:rPr lang="en-US" sz="2000" dirty="0" smtClean="0"/>
-              <a:t>probability of moving among multiple breeding and wintering </a:t>
-            </a:r>
-            <a:r>
-              <a:rPr lang="en-US" sz="2000" dirty="0" smtClean="0"/>
-              <a:t>sites</a:t>
-            </a:r>
-            <a:endParaRPr lang="en-US" sz="2000" dirty="0" smtClean="0"/>
-          </a:p>
-          <a:p>
-            <a:r>
-              <a:rPr lang="en-US" sz="2400" dirty="0" smtClean="0"/>
-              <a:t>Multistate occupancy analysis</a:t>
-            </a:r>
-          </a:p>
-          <a:p>
-            <a:pPr lvl="1"/>
-            <a:r>
-              <a:rPr lang="en-US" sz="2000" dirty="0" smtClean="0"/>
-              <a:t>change in occupancy state of sites (e.g. many, few, or none detected, detected with and without breeding activity, etc.)</a:t>
-            </a:r>
-          </a:p>
-          <a:p>
-            <a:r>
-              <a:rPr lang="en-US" sz="2400" dirty="0" smtClean="0"/>
-              <a:t>Ecological succession </a:t>
-            </a:r>
-            <a:endParaRPr lang="en-US" sz="2400" dirty="0"/>
-          </a:p>
-          <a:p>
-            <a:pPr lvl="1"/>
-            <a:r>
-              <a:rPr lang="en-US" sz="2000" dirty="0" smtClean="0"/>
-              <a:t>change in dominant land cover type over time</a:t>
-            </a:r>
-          </a:p>
-          <a:p>
-            <a:endParaRPr lang="en-US" sz="2400" dirty="0" smtClean="0"/>
-          </a:p>
-        </p:txBody>
-      </p:sp>
-    </p:spTree>
-    <p:extLst>
-      <p:ext uri="{BB962C8B-B14F-4D97-AF65-F5344CB8AC3E}">
-        <p14:creationId xmlns:p14="http://schemas.microsoft.com/office/powerpoint/2010/main" val="2593816674"/>
-      </p:ext>
-    </p:extLst>
-  </p:cSld>
-  <p:clrMapOvr>
-    <a:masterClrMapping/>
-  </p:clrMapOvr>
-  <p:timing>
-    <p:tnLst>
-      <p:par>
-        <p:cTn id="1" dur="indefinite" restart="never" nodeType="tmRoot"/>
-      </p:par>
-    </p:tnLst>
-  </p:timing>
-</p:sld>
-</file>
-
 <file path=ppt/slides/slide15.xml><?xml version="1.0" encoding="utf-8"?>
 <p:sld xmlns:a="http://schemas.openxmlformats.org/drawingml/2006/main" xmlns:r="http://schemas.openxmlformats.org/officeDocument/2006/relationships" xmlns:p="http://schemas.openxmlformats.org/presentationml/2006/main">
   <p:cSld>
@@ -7214,6 +7175,141 @@
           <a:p>
             <a:r>
               <a:rPr lang="en-US" sz="3200" dirty="0" smtClean="0"/>
+              <a:t>Extensions of multistate models</a:t>
+            </a:r>
+            <a:endParaRPr lang="en-US" sz="3200" dirty="0"/>
+          </a:p>
+        </p:txBody>
+      </p:sp>
+      <p:sp>
+        <p:nvSpPr>
+          <p:cNvPr id="3" name="Content Placeholder 2"/>
+          <p:cNvSpPr>
+            <a:spLocks noGrp="1"/>
+          </p:cNvSpPr>
+          <p:nvPr>
+            <p:ph sz="quarter" idx="1"/>
+          </p:nvPr>
+        </p:nvSpPr>
+        <p:spPr/>
+        <p:txBody>
+          <a:bodyPr>
+            <a:normAutofit/>
+          </a:bodyPr>
+          <a:lstStyle/>
+          <a:p>
+            <a:r>
+              <a:rPr lang="en-US" sz="2400" dirty="0" smtClean="0"/>
+              <a:t>Range of applications, not just individual mark-recapture data</a:t>
+            </a:r>
+          </a:p>
+          <a:p>
+            <a:r>
+              <a:rPr lang="en-US" sz="2400" dirty="0" smtClean="0"/>
+              <a:t>Used in both estimation and projection</a:t>
+            </a:r>
+          </a:p>
+          <a:p>
+            <a:r>
+              <a:rPr lang="en-US" sz="2400" dirty="0" smtClean="0"/>
+              <a:t>Migratory connectivity</a:t>
+            </a:r>
+          </a:p>
+          <a:p>
+            <a:pPr lvl="1"/>
+            <a:r>
+              <a:rPr lang="en-US" sz="2000" dirty="0" smtClean="0"/>
+              <a:t>probability of moving among multiple breeding and wintering sites</a:t>
+            </a:r>
+          </a:p>
+          <a:p>
+            <a:r>
+              <a:rPr lang="en-US" sz="2400" dirty="0" smtClean="0"/>
+              <a:t>Multistate occupancy analysis</a:t>
+            </a:r>
+          </a:p>
+          <a:p>
+            <a:pPr lvl="1"/>
+            <a:r>
+              <a:rPr lang="en-US" sz="2000" dirty="0" smtClean="0"/>
+              <a:t>change in occupancy state of sites (e.g. many, few, or none detected, detected with and without breeding activity, etc.)</a:t>
+            </a:r>
+          </a:p>
+          <a:p>
+            <a:r>
+              <a:rPr lang="en-US" sz="2400" dirty="0" smtClean="0"/>
+              <a:t>Ecological succession </a:t>
+            </a:r>
+            <a:endParaRPr lang="en-US" sz="2400" dirty="0"/>
+          </a:p>
+          <a:p>
+            <a:pPr lvl="1"/>
+            <a:r>
+              <a:rPr lang="en-US" sz="2000" dirty="0" smtClean="0"/>
+              <a:t>change in dominant land cover type over time</a:t>
+            </a:r>
+          </a:p>
+          <a:p>
+            <a:endParaRPr lang="en-US" sz="2400" dirty="0" smtClean="0"/>
+          </a:p>
+        </p:txBody>
+      </p:sp>
+    </p:spTree>
+    <p:extLst>
+      <p:ext uri="{BB962C8B-B14F-4D97-AF65-F5344CB8AC3E}">
+        <p14:creationId xmlns:p14="http://schemas.microsoft.com/office/powerpoint/2010/main" val="2593816674"/>
+      </p:ext>
+    </p:extLst>
+  </p:cSld>
+  <p:clrMapOvr>
+    <a:masterClrMapping/>
+  </p:clrMapOvr>
+  <p:timing>
+    <p:tnLst>
+      <p:par>
+        <p:cTn id="1" dur="indefinite" restart="never" nodeType="tmRoot"/>
+      </p:par>
+    </p:tnLst>
+  </p:timing>
+</p:sld>
+</file>
+
+<file path=ppt/slides/slide16.xml><?xml version="1.0" encoding="utf-8"?>
+<p:sld xmlns:a="http://schemas.openxmlformats.org/drawingml/2006/main" xmlns:r="http://schemas.openxmlformats.org/officeDocument/2006/relationships" xmlns:p="http://schemas.openxmlformats.org/presentationml/2006/main">
+  <p:cSld>
+    <p:spTree>
+      <p:nvGrpSpPr>
+        <p:cNvPr id="1" name=""/>
+        <p:cNvGrpSpPr/>
+        <p:nvPr/>
+      </p:nvGrpSpPr>
+      <p:grpSpPr>
+        <a:xfrm>
+          <a:off x="0" y="0"/>
+          <a:ext cx="0" cy="0"/>
+          <a:chOff x="0" y="0"/>
+          <a:chExt cx="0" cy="0"/>
+        </a:xfrm>
+      </p:grpSpPr>
+      <p:sp>
+        <p:nvSpPr>
+          <p:cNvPr id="2" name="Title 1"/>
+          <p:cNvSpPr>
+            <a:spLocks noGrp="1"/>
+          </p:cNvSpPr>
+          <p:nvPr>
+            <p:ph type="title"/>
+          </p:nvPr>
+        </p:nvSpPr>
+        <p:spPr/>
+        <p:txBody>
+          <a:bodyPr>
+            <a:normAutofit/>
+          </a:bodyPr>
+          <a:lstStyle/>
+          <a:p>
+            <a:r>
+              <a:rPr lang="en-US" sz="3200" dirty="0" smtClean="0"/>
               <a:t>Multistate model example</a:t>
             </a:r>
             <a:endParaRPr lang="en-US" sz="3200" dirty="0"/>
@@ -7224,6 +7320,2281 @@
     <p:extLst>
       <p:ext uri="{BB962C8B-B14F-4D97-AF65-F5344CB8AC3E}">
         <p14:creationId xmlns:p14="http://schemas.microsoft.com/office/powerpoint/2010/main" val="3779643550"/>
+      </p:ext>
+    </p:extLst>
+  </p:cSld>
+  <p:clrMapOvr>
+    <a:masterClrMapping/>
+  </p:clrMapOvr>
+  <p:timing>
+    <p:tnLst>
+      <p:par>
+        <p:cTn id="1" dur="indefinite" restart="never" nodeType="tmRoot"/>
+      </p:par>
+    </p:tnLst>
+  </p:timing>
+</p:sld>
+</file>
+
+<file path=ppt/slides/slide17.xml><?xml version="1.0" encoding="utf-8"?>
+<p:sld xmlns:a="http://schemas.openxmlformats.org/drawingml/2006/main" xmlns:r="http://schemas.openxmlformats.org/officeDocument/2006/relationships" xmlns:p="http://schemas.openxmlformats.org/presentationml/2006/main">
+  <p:cSld>
+    <p:spTree>
+      <p:nvGrpSpPr>
+        <p:cNvPr id="1" name=""/>
+        <p:cNvGrpSpPr/>
+        <p:nvPr/>
+      </p:nvGrpSpPr>
+      <p:grpSpPr>
+        <a:xfrm>
+          <a:off x="0" y="0"/>
+          <a:ext cx="0" cy="0"/>
+          <a:chOff x="0" y="0"/>
+          <a:chExt cx="0" cy="0"/>
+        </a:xfrm>
+      </p:grpSpPr>
+      <p:sp>
+        <p:nvSpPr>
+          <p:cNvPr id="2" name="Title 1"/>
+          <p:cNvSpPr>
+            <a:spLocks noGrp="1"/>
+          </p:cNvSpPr>
+          <p:nvPr>
+            <p:ph type="title"/>
+          </p:nvPr>
+        </p:nvSpPr>
+        <p:spPr/>
+        <p:txBody>
+          <a:bodyPr/>
+          <a:lstStyle/>
+          <a:p>
+            <a:r>
+              <a:rPr lang="en-US" dirty="0" smtClean="0"/>
+              <a:t>Integrated Population Models (IPMs)</a:t>
+            </a:r>
+            <a:endParaRPr lang="en-US" dirty="0"/>
+          </a:p>
+        </p:txBody>
+      </p:sp>
+      <p:sp>
+        <p:nvSpPr>
+          <p:cNvPr id="3" name="Content Placeholder 2"/>
+          <p:cNvSpPr>
+            <a:spLocks noGrp="1"/>
+          </p:cNvSpPr>
+          <p:nvPr>
+            <p:ph sz="quarter" idx="1"/>
+          </p:nvPr>
+        </p:nvSpPr>
+        <p:spPr/>
+        <p:txBody>
+          <a:bodyPr>
+            <a:noAutofit/>
+          </a:bodyPr>
+          <a:lstStyle/>
+          <a:p>
+            <a:r>
+              <a:rPr lang="en-US" sz="2000" dirty="0" smtClean="0"/>
+              <a:t>Relatively new approach to combining all sources of demographic information into one analysis</a:t>
+            </a:r>
+          </a:p>
+          <a:p>
+            <a:pPr lvl="1"/>
+            <a:r>
+              <a:rPr lang="en-US" sz="1800" dirty="0" smtClean="0"/>
+              <a:t>Typically </a:t>
+            </a:r>
+            <a:r>
+              <a:rPr lang="en-US" sz="1800" b="1" dirty="0" smtClean="0"/>
+              <a:t>counts</a:t>
+            </a:r>
+            <a:r>
+              <a:rPr lang="en-US" sz="1800" dirty="0" smtClean="0"/>
+              <a:t>, </a:t>
+            </a:r>
+            <a:r>
+              <a:rPr lang="en-US" sz="1800" b="1" dirty="0" smtClean="0"/>
+              <a:t>mark-recapture, </a:t>
+            </a:r>
+            <a:r>
+              <a:rPr lang="en-US" sz="1800" dirty="0" smtClean="0"/>
+              <a:t>and some measure of </a:t>
+            </a:r>
+            <a:r>
+              <a:rPr lang="en-US" sz="1800" b="1" dirty="0" smtClean="0"/>
+              <a:t>fecundity</a:t>
+            </a:r>
+          </a:p>
+          <a:p>
+            <a:r>
+              <a:rPr lang="en-US" sz="2000" dirty="0" smtClean="0"/>
+              <a:t>Pros:</a:t>
+            </a:r>
+          </a:p>
+          <a:p>
+            <a:pPr lvl="1"/>
+            <a:r>
+              <a:rPr lang="en-US" sz="1800" dirty="0" smtClean="0"/>
+              <a:t>More precise estimates of demographic rates</a:t>
+            </a:r>
+          </a:p>
+          <a:p>
+            <a:pPr lvl="1"/>
+            <a:r>
+              <a:rPr lang="en-US" sz="1800" dirty="0" smtClean="0"/>
+              <a:t>Can potentially estimate things you don’t have explicit data about (usually these things are hard to measure)</a:t>
+            </a:r>
+          </a:p>
+          <a:p>
+            <a:pPr lvl="2"/>
+            <a:r>
+              <a:rPr lang="en-US" sz="1600" dirty="0" smtClean="0"/>
+              <a:t>Immigration/emigration,  juvenile survival</a:t>
+            </a:r>
+          </a:p>
+          <a:p>
+            <a:pPr lvl="1"/>
+            <a:r>
+              <a:rPr lang="en-US" sz="1800" dirty="0" smtClean="0"/>
+              <a:t>Can directly project population into the future while propagating all uncertainty</a:t>
+            </a:r>
+          </a:p>
+          <a:p>
+            <a:r>
+              <a:rPr lang="en-US" sz="2000" dirty="0" smtClean="0"/>
+              <a:t>Cons:</a:t>
+            </a:r>
+          </a:p>
+          <a:p>
+            <a:pPr lvl="1"/>
+            <a:r>
+              <a:rPr lang="en-US" sz="1800" dirty="0" smtClean="0"/>
+              <a:t>More complicated analysis, requires more time/expertise to develop</a:t>
+            </a:r>
+            <a:endParaRPr lang="en-US" sz="1800" dirty="0"/>
+          </a:p>
+        </p:txBody>
+      </p:sp>
+    </p:spTree>
+    <p:extLst>
+      <p:ext uri="{BB962C8B-B14F-4D97-AF65-F5344CB8AC3E}">
+        <p14:creationId xmlns:p14="http://schemas.microsoft.com/office/powerpoint/2010/main" val="535851028"/>
+      </p:ext>
+    </p:extLst>
+  </p:cSld>
+  <p:clrMapOvr>
+    <a:masterClrMapping/>
+  </p:clrMapOvr>
+  <p:timing>
+    <p:tnLst>
+      <p:par>
+        <p:cTn id="1" dur="indefinite" restart="never" nodeType="tmRoot">
+          <p:childTnLst>
+            <p:seq concurrent="1" nextAc="seek">
+              <p:cTn id="2" dur="indefinite" nodeType="mainSeq">
+                <p:childTnLst>
+                  <p:par>
+                    <p:cTn id="3" fill="hold">
+                      <p:stCondLst>
+                        <p:cond delay="indefinite"/>
+                      </p:stCondLst>
+                      <p:childTnLst>
+                        <p:par>
+                          <p:cTn id="4" fill="hold">
+                            <p:stCondLst>
+                              <p:cond delay="0"/>
+                            </p:stCondLst>
+                            <p:childTnLst>
+                              <p:par>
+                                <p:cTn id="5" presetID="1" presetClass="entr" presetSubtype="0" fill="hold" grpId="0" nodeType="clickEffect">
+                                  <p:stCondLst>
+                                    <p:cond delay="0"/>
+                                  </p:stCondLst>
+                                  <p:childTnLst>
+                                    <p:set>
+                                      <p:cBhvr>
+                                        <p:cTn id="6" dur="1" fill="hold">
+                                          <p:stCondLst>
+                                            <p:cond delay="0"/>
+                                          </p:stCondLst>
+                                        </p:cTn>
+                                        <p:tgtEl>
+                                          <p:spTgt spid="3">
+                                            <p:txEl>
+                                              <p:pRg st="0" end="0"/>
+                                            </p:txEl>
+                                          </p:spTgt>
+                                        </p:tgtEl>
+                                        <p:attrNameLst>
+                                          <p:attrName>style.visibility</p:attrName>
+                                        </p:attrNameLst>
+                                      </p:cBhvr>
+                                      <p:to>
+                                        <p:strVal val="visible"/>
+                                      </p:to>
+                                    </p:set>
+                                  </p:childTnLst>
+                                </p:cTn>
+                              </p:par>
+                              <p:par>
+                                <p:cTn id="7" presetID="1" presetClass="entr" presetSubtype="0" fill="hold" grpId="0" nodeType="withEffect">
+                                  <p:stCondLst>
+                                    <p:cond delay="0"/>
+                                  </p:stCondLst>
+                                  <p:childTnLst>
+                                    <p:set>
+                                      <p:cBhvr>
+                                        <p:cTn id="8" dur="1" fill="hold">
+                                          <p:stCondLst>
+                                            <p:cond delay="0"/>
+                                          </p:stCondLst>
+                                        </p:cTn>
+                                        <p:tgtEl>
+                                          <p:spTgt spid="3">
+                                            <p:txEl>
+                                              <p:pRg st="1" end="1"/>
+                                            </p:txEl>
+                                          </p:spTgt>
+                                        </p:tgtEl>
+                                        <p:attrNameLst>
+                                          <p:attrName>style.visibility</p:attrName>
+                                        </p:attrNameLst>
+                                      </p:cBhvr>
+                                      <p:to>
+                                        <p:strVal val="visible"/>
+                                      </p:to>
+                                    </p:set>
+                                  </p:childTnLst>
+                                </p:cTn>
+                              </p:par>
+                            </p:childTnLst>
+                          </p:cTn>
+                        </p:par>
+                      </p:childTnLst>
+                    </p:cTn>
+                  </p:par>
+                  <p:par>
+                    <p:cTn id="9" fill="hold">
+                      <p:stCondLst>
+                        <p:cond delay="indefinite"/>
+                      </p:stCondLst>
+                      <p:childTnLst>
+                        <p:par>
+                          <p:cTn id="10" fill="hold">
+                            <p:stCondLst>
+                              <p:cond delay="0"/>
+                            </p:stCondLst>
+                            <p:childTnLst>
+                              <p:par>
+                                <p:cTn id="11" presetID="1" presetClass="entr" presetSubtype="0" fill="hold" grpId="0" nodeType="clickEffect">
+                                  <p:stCondLst>
+                                    <p:cond delay="0"/>
+                                  </p:stCondLst>
+                                  <p:childTnLst>
+                                    <p:set>
+                                      <p:cBhvr>
+                                        <p:cTn id="12" dur="1" fill="hold">
+                                          <p:stCondLst>
+                                            <p:cond delay="0"/>
+                                          </p:stCondLst>
+                                        </p:cTn>
+                                        <p:tgtEl>
+                                          <p:spTgt spid="3">
+                                            <p:txEl>
+                                              <p:pRg st="2" end="2"/>
+                                            </p:txEl>
+                                          </p:spTgt>
+                                        </p:tgtEl>
+                                        <p:attrNameLst>
+                                          <p:attrName>style.visibility</p:attrName>
+                                        </p:attrNameLst>
+                                      </p:cBhvr>
+                                      <p:to>
+                                        <p:strVal val="visible"/>
+                                      </p:to>
+                                    </p:set>
+                                  </p:childTnLst>
+                                </p:cTn>
+                              </p:par>
+                              <p:par>
+                                <p:cTn id="13" presetID="1" presetClass="entr" presetSubtype="0" fill="hold" grpId="0" nodeType="withEffect">
+                                  <p:stCondLst>
+                                    <p:cond delay="0"/>
+                                  </p:stCondLst>
+                                  <p:childTnLst>
+                                    <p:set>
+                                      <p:cBhvr>
+                                        <p:cTn id="14" dur="1" fill="hold">
+                                          <p:stCondLst>
+                                            <p:cond delay="0"/>
+                                          </p:stCondLst>
+                                        </p:cTn>
+                                        <p:tgtEl>
+                                          <p:spTgt spid="3">
+                                            <p:txEl>
+                                              <p:pRg st="3" end="3"/>
+                                            </p:txEl>
+                                          </p:spTgt>
+                                        </p:tgtEl>
+                                        <p:attrNameLst>
+                                          <p:attrName>style.visibility</p:attrName>
+                                        </p:attrNameLst>
+                                      </p:cBhvr>
+                                      <p:to>
+                                        <p:strVal val="visible"/>
+                                      </p:to>
+                                    </p:set>
+                                  </p:childTnLst>
+                                </p:cTn>
+                              </p:par>
+                              <p:par>
+                                <p:cTn id="15" presetID="1" presetClass="entr" presetSubtype="0" fill="hold" grpId="0" nodeType="withEffect">
+                                  <p:stCondLst>
+                                    <p:cond delay="0"/>
+                                  </p:stCondLst>
+                                  <p:childTnLst>
+                                    <p:set>
+                                      <p:cBhvr>
+                                        <p:cTn id="16" dur="1" fill="hold">
+                                          <p:stCondLst>
+                                            <p:cond delay="0"/>
+                                          </p:stCondLst>
+                                        </p:cTn>
+                                        <p:tgtEl>
+                                          <p:spTgt spid="3">
+                                            <p:txEl>
+                                              <p:pRg st="4" end="4"/>
+                                            </p:txEl>
+                                          </p:spTgt>
+                                        </p:tgtEl>
+                                        <p:attrNameLst>
+                                          <p:attrName>style.visibility</p:attrName>
+                                        </p:attrNameLst>
+                                      </p:cBhvr>
+                                      <p:to>
+                                        <p:strVal val="visible"/>
+                                      </p:to>
+                                    </p:set>
+                                  </p:childTnLst>
+                                </p:cTn>
+                              </p:par>
+                              <p:par>
+                                <p:cTn id="17" presetID="1" presetClass="entr" presetSubtype="0" fill="hold" grpId="0" nodeType="withEffect">
+                                  <p:stCondLst>
+                                    <p:cond delay="0"/>
+                                  </p:stCondLst>
+                                  <p:childTnLst>
+                                    <p:set>
+                                      <p:cBhvr>
+                                        <p:cTn id="18" dur="1" fill="hold">
+                                          <p:stCondLst>
+                                            <p:cond delay="0"/>
+                                          </p:stCondLst>
+                                        </p:cTn>
+                                        <p:tgtEl>
+                                          <p:spTgt spid="3">
+                                            <p:txEl>
+                                              <p:pRg st="5" end="5"/>
+                                            </p:txEl>
+                                          </p:spTgt>
+                                        </p:tgtEl>
+                                        <p:attrNameLst>
+                                          <p:attrName>style.visibility</p:attrName>
+                                        </p:attrNameLst>
+                                      </p:cBhvr>
+                                      <p:to>
+                                        <p:strVal val="visible"/>
+                                      </p:to>
+                                    </p:set>
+                                  </p:childTnLst>
+                                </p:cTn>
+                              </p:par>
+                              <p:par>
+                                <p:cTn id="19" presetID="1" presetClass="entr" presetSubtype="0" fill="hold" grpId="0" nodeType="withEffect">
+                                  <p:stCondLst>
+                                    <p:cond delay="0"/>
+                                  </p:stCondLst>
+                                  <p:childTnLst>
+                                    <p:set>
+                                      <p:cBhvr>
+                                        <p:cTn id="20" dur="1" fill="hold">
+                                          <p:stCondLst>
+                                            <p:cond delay="0"/>
+                                          </p:stCondLst>
+                                        </p:cTn>
+                                        <p:tgtEl>
+                                          <p:spTgt spid="3">
+                                            <p:txEl>
+                                              <p:pRg st="6" end="6"/>
+                                            </p:txEl>
+                                          </p:spTgt>
+                                        </p:tgtEl>
+                                        <p:attrNameLst>
+                                          <p:attrName>style.visibility</p:attrName>
+                                        </p:attrNameLst>
+                                      </p:cBhvr>
+                                      <p:to>
+                                        <p:strVal val="visible"/>
+                                      </p:to>
+                                    </p:set>
+                                  </p:childTnLst>
+                                </p:cTn>
+                              </p:par>
+                            </p:childTnLst>
+                          </p:cTn>
+                        </p:par>
+                      </p:childTnLst>
+                    </p:cTn>
+                  </p:par>
+                  <p:par>
+                    <p:cTn id="21" fill="hold">
+                      <p:stCondLst>
+                        <p:cond delay="indefinite"/>
+                      </p:stCondLst>
+                      <p:childTnLst>
+                        <p:par>
+                          <p:cTn id="22" fill="hold">
+                            <p:stCondLst>
+                              <p:cond delay="0"/>
+                            </p:stCondLst>
+                            <p:childTnLst>
+                              <p:par>
+                                <p:cTn id="23" presetID="1" presetClass="entr" presetSubtype="0" fill="hold" grpId="0" nodeType="clickEffect">
+                                  <p:stCondLst>
+                                    <p:cond delay="0"/>
+                                  </p:stCondLst>
+                                  <p:childTnLst>
+                                    <p:set>
+                                      <p:cBhvr>
+                                        <p:cTn id="24" dur="1" fill="hold">
+                                          <p:stCondLst>
+                                            <p:cond delay="0"/>
+                                          </p:stCondLst>
+                                        </p:cTn>
+                                        <p:tgtEl>
+                                          <p:spTgt spid="3">
+                                            <p:txEl>
+                                              <p:pRg st="7" end="7"/>
+                                            </p:txEl>
+                                          </p:spTgt>
+                                        </p:tgtEl>
+                                        <p:attrNameLst>
+                                          <p:attrName>style.visibility</p:attrName>
+                                        </p:attrNameLst>
+                                      </p:cBhvr>
+                                      <p:to>
+                                        <p:strVal val="visible"/>
+                                      </p:to>
+                                    </p:set>
+                                  </p:childTnLst>
+                                </p:cTn>
+                              </p:par>
+                              <p:par>
+                                <p:cTn id="25" presetID="1" presetClass="entr" presetSubtype="0" fill="hold" grpId="0" nodeType="withEffect">
+                                  <p:stCondLst>
+                                    <p:cond delay="0"/>
+                                  </p:stCondLst>
+                                  <p:childTnLst>
+                                    <p:set>
+                                      <p:cBhvr>
+                                        <p:cTn id="26" dur="1" fill="hold">
+                                          <p:stCondLst>
+                                            <p:cond delay="0"/>
+                                          </p:stCondLst>
+                                        </p:cTn>
+                                        <p:tgtEl>
+                                          <p:spTgt spid="3">
+                                            <p:txEl>
+                                              <p:pRg st="8" end="8"/>
+                                            </p:txEl>
+                                          </p:spTgt>
+                                        </p:tgtEl>
+                                        <p:attrNameLst>
+                                          <p:attrName>style.visibility</p:attrName>
+                                        </p:attrNameLst>
+                                      </p:cBhvr>
+                                      <p:to>
+                                        <p:strVal val="visible"/>
+                                      </p:to>
+                                    </p:set>
+                                  </p:childTnLst>
+                                </p:cTn>
+                              </p:par>
+                            </p:childTnLst>
+                          </p:cTn>
+                        </p:par>
+                      </p:childTnLst>
+                    </p:cTn>
+                  </p:par>
+                </p:childTnLst>
+              </p:cTn>
+              <p:prevCondLst>
+                <p:cond evt="onPrev" delay="0">
+                  <p:tgtEl>
+                    <p:sldTgt/>
+                  </p:tgtEl>
+                </p:cond>
+              </p:prevCondLst>
+              <p:nextCondLst>
+                <p:cond evt="onNext" delay="0">
+                  <p:tgtEl>
+                    <p:sldTgt/>
+                  </p:tgtEl>
+                </p:cond>
+              </p:nextCondLst>
+            </p:seq>
+          </p:childTnLst>
+        </p:cTn>
+      </p:par>
+    </p:tnLst>
+    <p:bldLst>
+      <p:bldP spid="3" grpId="0" build="p"/>
+    </p:bldLst>
+  </p:timing>
+</p:sld>
+</file>
+
+<file path=ppt/slides/slide18.xml><?xml version="1.0" encoding="utf-8"?>
+<p:sld xmlns:a="http://schemas.openxmlformats.org/drawingml/2006/main" xmlns:r="http://schemas.openxmlformats.org/officeDocument/2006/relationships" xmlns:p="http://schemas.openxmlformats.org/presentationml/2006/main">
+  <p:cSld>
+    <p:spTree>
+      <p:nvGrpSpPr>
+        <p:cNvPr id="1" name=""/>
+        <p:cNvGrpSpPr/>
+        <p:nvPr/>
+      </p:nvGrpSpPr>
+      <p:grpSpPr>
+        <a:xfrm>
+          <a:off x="0" y="0"/>
+          <a:ext cx="0" cy="0"/>
+          <a:chOff x="0" y="0"/>
+          <a:chExt cx="0" cy="0"/>
+        </a:xfrm>
+      </p:grpSpPr>
+      <p:sp>
+        <p:nvSpPr>
+          <p:cNvPr id="5" name="Rectangle 4"/>
+          <p:cNvSpPr/>
+          <p:nvPr/>
+        </p:nvSpPr>
+        <p:spPr>
+          <a:xfrm>
+            <a:off x="971550" y="1276350"/>
+            <a:ext cx="1752600" cy="609600"/>
+          </a:xfrm>
+          <a:prstGeom prst="rect">
+            <a:avLst/>
+          </a:prstGeom>
+        </p:spPr>
+        <p:style>
+          <a:lnRef idx="2">
+            <a:schemeClr val="accent1">
+              <a:shade val="50000"/>
+            </a:schemeClr>
+          </a:lnRef>
+          <a:fillRef idx="1">
+            <a:schemeClr val="accent1"/>
+          </a:fillRef>
+          <a:effectRef idx="0">
+            <a:schemeClr val="accent1"/>
+          </a:effectRef>
+          <a:fontRef idx="minor">
+            <a:schemeClr val="lt1"/>
+          </a:fontRef>
+        </p:style>
+        <p:txBody>
+          <a:bodyPr rtlCol="0" anchor="ctr"/>
+          <a:lstStyle/>
+          <a:p>
+            <a:pPr algn="ctr"/>
+            <a:r>
+              <a:rPr lang="en-US" dirty="0" smtClean="0"/>
+              <a:t>Counts</a:t>
+            </a:r>
+            <a:endParaRPr lang="en-US" dirty="0"/>
+          </a:p>
+        </p:txBody>
+      </p:sp>
+      <p:sp>
+        <p:nvSpPr>
+          <p:cNvPr id="6" name="Rectangle 5"/>
+          <p:cNvSpPr/>
+          <p:nvPr/>
+        </p:nvSpPr>
+        <p:spPr>
+          <a:xfrm>
+            <a:off x="971550" y="2324100"/>
+            <a:ext cx="1752600" cy="609600"/>
+          </a:xfrm>
+          <a:prstGeom prst="rect">
+            <a:avLst/>
+          </a:prstGeom>
+          <a:solidFill>
+            <a:schemeClr val="accent3">
+              <a:lumMod val="75000"/>
+            </a:schemeClr>
+          </a:solidFill>
+          <a:ln>
+            <a:solidFill>
+              <a:schemeClr val="accent3">
+                <a:lumMod val="50000"/>
+              </a:schemeClr>
+            </a:solidFill>
+          </a:ln>
+        </p:spPr>
+        <p:style>
+          <a:lnRef idx="2">
+            <a:schemeClr val="accent1">
+              <a:shade val="50000"/>
+            </a:schemeClr>
+          </a:lnRef>
+          <a:fillRef idx="1">
+            <a:schemeClr val="accent1"/>
+          </a:fillRef>
+          <a:effectRef idx="0">
+            <a:schemeClr val="accent1"/>
+          </a:effectRef>
+          <a:fontRef idx="minor">
+            <a:schemeClr val="lt1"/>
+          </a:fontRef>
+        </p:style>
+        <p:txBody>
+          <a:bodyPr rtlCol="0" anchor="ctr"/>
+          <a:lstStyle/>
+          <a:p>
+            <a:pPr algn="ctr"/>
+            <a:r>
+              <a:rPr lang="en-US" dirty="0" smtClean="0">
+                <a:solidFill>
+                  <a:schemeClr val="tx1"/>
+                </a:solidFill>
+              </a:rPr>
+              <a:t>Mark-recapture</a:t>
+            </a:r>
+            <a:endParaRPr lang="en-US" dirty="0">
+              <a:solidFill>
+                <a:schemeClr val="tx1"/>
+              </a:solidFill>
+            </a:endParaRPr>
+          </a:p>
+        </p:txBody>
+      </p:sp>
+      <p:sp>
+        <p:nvSpPr>
+          <p:cNvPr id="7" name="Rectangle 6"/>
+          <p:cNvSpPr/>
+          <p:nvPr/>
+        </p:nvSpPr>
+        <p:spPr>
+          <a:xfrm>
+            <a:off x="971550" y="3486150"/>
+            <a:ext cx="1752600" cy="838200"/>
+          </a:xfrm>
+          <a:prstGeom prst="rect">
+            <a:avLst/>
+          </a:prstGeom>
+          <a:solidFill>
+            <a:schemeClr val="accent2">
+              <a:lumMod val="75000"/>
+            </a:schemeClr>
+          </a:solidFill>
+          <a:ln>
+            <a:solidFill>
+              <a:schemeClr val="accent2">
+                <a:lumMod val="50000"/>
+              </a:schemeClr>
+            </a:solidFill>
+          </a:ln>
+        </p:spPr>
+        <p:style>
+          <a:lnRef idx="2">
+            <a:schemeClr val="accent1">
+              <a:shade val="50000"/>
+            </a:schemeClr>
+          </a:lnRef>
+          <a:fillRef idx="1">
+            <a:schemeClr val="accent1"/>
+          </a:fillRef>
+          <a:effectRef idx="0">
+            <a:schemeClr val="accent1"/>
+          </a:effectRef>
+          <a:fontRef idx="minor">
+            <a:schemeClr val="lt1"/>
+          </a:fontRef>
+        </p:style>
+        <p:txBody>
+          <a:bodyPr rtlCol="0" anchor="ctr"/>
+          <a:lstStyle/>
+          <a:p>
+            <a:pPr algn="ctr"/>
+            <a:r>
+              <a:rPr lang="en-US" dirty="0" smtClean="0"/>
+              <a:t>Number of offspring/female</a:t>
+            </a:r>
+            <a:endParaRPr lang="en-US" dirty="0"/>
+          </a:p>
+        </p:txBody>
+      </p:sp>
+      <p:sp>
+        <p:nvSpPr>
+          <p:cNvPr id="8" name="TextBox 7"/>
+          <p:cNvSpPr txBox="1"/>
+          <p:nvPr/>
+        </p:nvSpPr>
+        <p:spPr>
+          <a:xfrm>
+            <a:off x="2009775" y="361949"/>
+            <a:ext cx="5124450" cy="523220"/>
+          </a:xfrm>
+          <a:prstGeom prst="rect">
+            <a:avLst/>
+          </a:prstGeom>
+          <a:noFill/>
+        </p:spPr>
+        <p:txBody>
+          <a:bodyPr wrap="square" rtlCol="0">
+            <a:spAutoFit/>
+          </a:bodyPr>
+          <a:lstStyle/>
+          <a:p>
+            <a:pPr algn="ctr"/>
+            <a:r>
+              <a:rPr lang="en-US" sz="2800" dirty="0" smtClean="0"/>
+              <a:t>Non-integrated analysis</a:t>
+            </a:r>
+            <a:endParaRPr lang="en-US" sz="2800" dirty="0"/>
+          </a:p>
+        </p:txBody>
+      </p:sp>
+      <p:sp>
+        <p:nvSpPr>
+          <p:cNvPr id="9" name="Rectangle 8"/>
+          <p:cNvSpPr/>
+          <p:nvPr/>
+        </p:nvSpPr>
+        <p:spPr>
+          <a:xfrm>
+            <a:off x="3695700" y="1276350"/>
+            <a:ext cx="1752600" cy="609600"/>
+          </a:xfrm>
+          <a:prstGeom prst="rect">
+            <a:avLst/>
+          </a:prstGeom>
+        </p:spPr>
+        <p:style>
+          <a:lnRef idx="2">
+            <a:schemeClr val="accent1">
+              <a:shade val="50000"/>
+            </a:schemeClr>
+          </a:lnRef>
+          <a:fillRef idx="1">
+            <a:schemeClr val="accent1"/>
+          </a:fillRef>
+          <a:effectRef idx="0">
+            <a:schemeClr val="accent1"/>
+          </a:effectRef>
+          <a:fontRef idx="minor">
+            <a:schemeClr val="lt1"/>
+          </a:fontRef>
+        </p:style>
+        <p:txBody>
+          <a:bodyPr rtlCol="0" anchor="ctr"/>
+          <a:lstStyle/>
+          <a:p>
+            <a:pPr algn="ctr"/>
+            <a:r>
+              <a:rPr lang="en-US" dirty="0" smtClean="0"/>
+              <a:t>N-mixture model</a:t>
+            </a:r>
+            <a:endParaRPr lang="en-US" dirty="0"/>
+          </a:p>
+        </p:txBody>
+      </p:sp>
+      <p:sp>
+        <p:nvSpPr>
+          <p:cNvPr id="10" name="Rectangle 9"/>
+          <p:cNvSpPr/>
+          <p:nvPr/>
+        </p:nvSpPr>
+        <p:spPr>
+          <a:xfrm>
+            <a:off x="3695700" y="2324100"/>
+            <a:ext cx="1752600" cy="609600"/>
+          </a:xfrm>
+          <a:prstGeom prst="rect">
+            <a:avLst/>
+          </a:prstGeom>
+          <a:solidFill>
+            <a:schemeClr val="accent3">
+              <a:lumMod val="75000"/>
+            </a:schemeClr>
+          </a:solidFill>
+          <a:ln>
+            <a:solidFill>
+              <a:schemeClr val="accent3">
+                <a:lumMod val="50000"/>
+              </a:schemeClr>
+            </a:solidFill>
+          </a:ln>
+        </p:spPr>
+        <p:style>
+          <a:lnRef idx="2">
+            <a:schemeClr val="accent1">
+              <a:shade val="50000"/>
+            </a:schemeClr>
+          </a:lnRef>
+          <a:fillRef idx="1">
+            <a:schemeClr val="accent1"/>
+          </a:fillRef>
+          <a:effectRef idx="0">
+            <a:schemeClr val="accent1"/>
+          </a:effectRef>
+          <a:fontRef idx="minor">
+            <a:schemeClr val="lt1"/>
+          </a:fontRef>
+        </p:style>
+        <p:txBody>
+          <a:bodyPr rtlCol="0" anchor="ctr"/>
+          <a:lstStyle/>
+          <a:p>
+            <a:pPr algn="ctr"/>
+            <a:r>
+              <a:rPr lang="en-US" dirty="0" smtClean="0">
+                <a:solidFill>
+                  <a:schemeClr val="tx1"/>
+                </a:solidFill>
+              </a:rPr>
+              <a:t>Survival analysis</a:t>
+            </a:r>
+            <a:endParaRPr lang="en-US" dirty="0">
+              <a:solidFill>
+                <a:schemeClr val="tx1"/>
+              </a:solidFill>
+            </a:endParaRPr>
+          </a:p>
+        </p:txBody>
+      </p:sp>
+      <p:sp>
+        <p:nvSpPr>
+          <p:cNvPr id="11" name="Rectangle 10"/>
+          <p:cNvSpPr/>
+          <p:nvPr/>
+        </p:nvSpPr>
+        <p:spPr>
+          <a:xfrm>
+            <a:off x="3695700" y="3486150"/>
+            <a:ext cx="1752600" cy="838200"/>
+          </a:xfrm>
+          <a:prstGeom prst="rect">
+            <a:avLst/>
+          </a:prstGeom>
+          <a:solidFill>
+            <a:schemeClr val="accent2">
+              <a:lumMod val="75000"/>
+            </a:schemeClr>
+          </a:solidFill>
+          <a:ln>
+            <a:solidFill>
+              <a:schemeClr val="accent2">
+                <a:lumMod val="50000"/>
+              </a:schemeClr>
+            </a:solidFill>
+          </a:ln>
+        </p:spPr>
+        <p:style>
+          <a:lnRef idx="2">
+            <a:schemeClr val="accent1">
+              <a:shade val="50000"/>
+            </a:schemeClr>
+          </a:lnRef>
+          <a:fillRef idx="1">
+            <a:schemeClr val="accent1"/>
+          </a:fillRef>
+          <a:effectRef idx="0">
+            <a:schemeClr val="accent1"/>
+          </a:effectRef>
+          <a:fontRef idx="minor">
+            <a:schemeClr val="lt1"/>
+          </a:fontRef>
+        </p:style>
+        <p:txBody>
+          <a:bodyPr rtlCol="0" anchor="ctr"/>
+          <a:lstStyle/>
+          <a:p>
+            <a:pPr algn="ctr"/>
+            <a:r>
+              <a:rPr lang="en-US" dirty="0" smtClean="0"/>
+              <a:t>Poisson GLM</a:t>
+            </a:r>
+            <a:endParaRPr lang="en-US" dirty="0"/>
+          </a:p>
+        </p:txBody>
+      </p:sp>
+      <p:cxnSp>
+        <p:nvCxnSpPr>
+          <p:cNvPr id="13" name="Straight Arrow Connector 12"/>
+          <p:cNvCxnSpPr>
+            <a:stCxn id="5" idx="3"/>
+            <a:endCxn id="9" idx="1"/>
+          </p:cNvCxnSpPr>
+          <p:nvPr/>
+        </p:nvCxnSpPr>
+        <p:spPr>
+          <a:xfrm>
+            <a:off x="2724150" y="1581150"/>
+            <a:ext cx="971550" cy="0"/>
+          </a:xfrm>
+          <a:prstGeom prst="straightConnector1">
+            <a:avLst/>
+          </a:prstGeom>
+          <a:ln w="57150">
+            <a:solidFill>
+              <a:schemeClr val="tx1"/>
+            </a:solidFill>
+            <a:tailEnd type="arrow"/>
+          </a:ln>
+        </p:spPr>
+        <p:style>
+          <a:lnRef idx="1">
+            <a:schemeClr val="accent1"/>
+          </a:lnRef>
+          <a:fillRef idx="0">
+            <a:schemeClr val="accent1"/>
+          </a:fillRef>
+          <a:effectRef idx="0">
+            <a:schemeClr val="accent1"/>
+          </a:effectRef>
+          <a:fontRef idx="minor">
+            <a:schemeClr val="tx1"/>
+          </a:fontRef>
+        </p:style>
+      </p:cxnSp>
+      <p:cxnSp>
+        <p:nvCxnSpPr>
+          <p:cNvPr id="15" name="Straight Arrow Connector 14"/>
+          <p:cNvCxnSpPr>
+            <a:stCxn id="6" idx="3"/>
+            <a:endCxn id="10" idx="1"/>
+          </p:cNvCxnSpPr>
+          <p:nvPr/>
+        </p:nvCxnSpPr>
+        <p:spPr>
+          <a:xfrm>
+            <a:off x="2724150" y="2628900"/>
+            <a:ext cx="971550" cy="0"/>
+          </a:xfrm>
+          <a:prstGeom prst="straightConnector1">
+            <a:avLst/>
+          </a:prstGeom>
+          <a:ln w="57150">
+            <a:solidFill>
+              <a:schemeClr val="tx1"/>
+            </a:solidFill>
+            <a:tailEnd type="arrow"/>
+          </a:ln>
+        </p:spPr>
+        <p:style>
+          <a:lnRef idx="1">
+            <a:schemeClr val="accent1"/>
+          </a:lnRef>
+          <a:fillRef idx="0">
+            <a:schemeClr val="accent1"/>
+          </a:fillRef>
+          <a:effectRef idx="0">
+            <a:schemeClr val="accent1"/>
+          </a:effectRef>
+          <a:fontRef idx="minor">
+            <a:schemeClr val="tx1"/>
+          </a:fontRef>
+        </p:style>
+      </p:cxnSp>
+      <p:cxnSp>
+        <p:nvCxnSpPr>
+          <p:cNvPr id="18" name="Straight Arrow Connector 17"/>
+          <p:cNvCxnSpPr>
+            <a:stCxn id="7" idx="3"/>
+            <a:endCxn id="11" idx="1"/>
+          </p:cNvCxnSpPr>
+          <p:nvPr/>
+        </p:nvCxnSpPr>
+        <p:spPr>
+          <a:xfrm>
+            <a:off x="2724150" y="3905250"/>
+            <a:ext cx="971550" cy="0"/>
+          </a:xfrm>
+          <a:prstGeom prst="straightConnector1">
+            <a:avLst/>
+          </a:prstGeom>
+          <a:ln w="57150">
+            <a:solidFill>
+              <a:schemeClr val="tx1"/>
+            </a:solidFill>
+            <a:tailEnd type="arrow"/>
+          </a:ln>
+        </p:spPr>
+        <p:style>
+          <a:lnRef idx="1">
+            <a:schemeClr val="accent1"/>
+          </a:lnRef>
+          <a:fillRef idx="0">
+            <a:schemeClr val="accent1"/>
+          </a:fillRef>
+          <a:effectRef idx="0">
+            <a:schemeClr val="accent1"/>
+          </a:effectRef>
+          <a:fontRef idx="minor">
+            <a:schemeClr val="tx1"/>
+          </a:fontRef>
+        </p:style>
+      </p:cxnSp>
+      <p:sp>
+        <p:nvSpPr>
+          <p:cNvPr id="21" name="Rectangle 20"/>
+          <p:cNvSpPr/>
+          <p:nvPr/>
+        </p:nvSpPr>
+        <p:spPr>
+          <a:xfrm>
+            <a:off x="6419850" y="1276350"/>
+            <a:ext cx="1752600" cy="609600"/>
+          </a:xfrm>
+          <a:prstGeom prst="rect">
+            <a:avLst/>
+          </a:prstGeom>
+        </p:spPr>
+        <p:style>
+          <a:lnRef idx="2">
+            <a:schemeClr val="accent1">
+              <a:shade val="50000"/>
+            </a:schemeClr>
+          </a:lnRef>
+          <a:fillRef idx="1">
+            <a:schemeClr val="accent1"/>
+          </a:fillRef>
+          <a:effectRef idx="0">
+            <a:schemeClr val="accent1"/>
+          </a:effectRef>
+          <a:fontRef idx="minor">
+            <a:schemeClr val="lt1"/>
+          </a:fontRef>
+        </p:style>
+        <p:txBody>
+          <a:bodyPr rtlCol="0" anchor="ctr"/>
+          <a:lstStyle/>
+          <a:p>
+            <a:pPr algn="ctr"/>
+            <a:r>
+              <a:rPr lang="en-US" dirty="0" smtClean="0"/>
+              <a:t>Abundance estimate</a:t>
+            </a:r>
+            <a:endParaRPr lang="en-US" dirty="0"/>
+          </a:p>
+        </p:txBody>
+      </p:sp>
+      <p:sp>
+        <p:nvSpPr>
+          <p:cNvPr id="22" name="Rectangle 21"/>
+          <p:cNvSpPr/>
+          <p:nvPr/>
+        </p:nvSpPr>
+        <p:spPr>
+          <a:xfrm>
+            <a:off x="6419850" y="2343150"/>
+            <a:ext cx="1752600" cy="609600"/>
+          </a:xfrm>
+          <a:prstGeom prst="rect">
+            <a:avLst/>
+          </a:prstGeom>
+          <a:solidFill>
+            <a:schemeClr val="accent3">
+              <a:lumMod val="75000"/>
+            </a:schemeClr>
+          </a:solidFill>
+          <a:ln>
+            <a:solidFill>
+              <a:schemeClr val="accent3">
+                <a:lumMod val="50000"/>
+              </a:schemeClr>
+            </a:solidFill>
+          </a:ln>
+        </p:spPr>
+        <p:style>
+          <a:lnRef idx="2">
+            <a:schemeClr val="accent1">
+              <a:shade val="50000"/>
+            </a:schemeClr>
+          </a:lnRef>
+          <a:fillRef idx="1">
+            <a:schemeClr val="accent1"/>
+          </a:fillRef>
+          <a:effectRef idx="0">
+            <a:schemeClr val="accent1"/>
+          </a:effectRef>
+          <a:fontRef idx="minor">
+            <a:schemeClr val="lt1"/>
+          </a:fontRef>
+        </p:style>
+        <p:txBody>
+          <a:bodyPr rtlCol="0" anchor="ctr"/>
+          <a:lstStyle/>
+          <a:p>
+            <a:pPr algn="ctr"/>
+            <a:r>
+              <a:rPr lang="en-US" dirty="0" smtClean="0">
+                <a:solidFill>
+                  <a:schemeClr val="tx1"/>
+                </a:solidFill>
+              </a:rPr>
+              <a:t>Survival probability</a:t>
+            </a:r>
+            <a:endParaRPr lang="en-US" dirty="0">
+              <a:solidFill>
+                <a:schemeClr val="tx1"/>
+              </a:solidFill>
+            </a:endParaRPr>
+          </a:p>
+        </p:txBody>
+      </p:sp>
+      <p:sp>
+        <p:nvSpPr>
+          <p:cNvPr id="23" name="Rectangle 22"/>
+          <p:cNvSpPr/>
+          <p:nvPr/>
+        </p:nvSpPr>
+        <p:spPr>
+          <a:xfrm>
+            <a:off x="6419850" y="3486150"/>
+            <a:ext cx="1752600" cy="838200"/>
+          </a:xfrm>
+          <a:prstGeom prst="rect">
+            <a:avLst/>
+          </a:prstGeom>
+          <a:solidFill>
+            <a:schemeClr val="accent2">
+              <a:lumMod val="75000"/>
+            </a:schemeClr>
+          </a:solidFill>
+          <a:ln>
+            <a:solidFill>
+              <a:schemeClr val="accent2">
+                <a:lumMod val="50000"/>
+              </a:schemeClr>
+            </a:solidFill>
+          </a:ln>
+        </p:spPr>
+        <p:style>
+          <a:lnRef idx="2">
+            <a:schemeClr val="accent1">
+              <a:shade val="50000"/>
+            </a:schemeClr>
+          </a:lnRef>
+          <a:fillRef idx="1">
+            <a:schemeClr val="accent1"/>
+          </a:fillRef>
+          <a:effectRef idx="0">
+            <a:schemeClr val="accent1"/>
+          </a:effectRef>
+          <a:fontRef idx="minor">
+            <a:schemeClr val="lt1"/>
+          </a:fontRef>
+        </p:style>
+        <p:txBody>
+          <a:bodyPr rtlCol="0" anchor="ctr"/>
+          <a:lstStyle/>
+          <a:p>
+            <a:pPr algn="ctr"/>
+            <a:r>
+              <a:rPr lang="en-US" dirty="0" smtClean="0"/>
+              <a:t>Average fecundity</a:t>
+            </a:r>
+            <a:endParaRPr lang="en-US" dirty="0"/>
+          </a:p>
+        </p:txBody>
+      </p:sp>
+      <p:cxnSp>
+        <p:nvCxnSpPr>
+          <p:cNvPr id="24" name="Straight Arrow Connector 23"/>
+          <p:cNvCxnSpPr>
+            <a:stCxn id="9" idx="3"/>
+            <a:endCxn id="21" idx="1"/>
+          </p:cNvCxnSpPr>
+          <p:nvPr/>
+        </p:nvCxnSpPr>
+        <p:spPr>
+          <a:xfrm>
+            <a:off x="5448300" y="1581150"/>
+            <a:ext cx="971550" cy="0"/>
+          </a:xfrm>
+          <a:prstGeom prst="straightConnector1">
+            <a:avLst/>
+          </a:prstGeom>
+          <a:ln w="57150">
+            <a:solidFill>
+              <a:schemeClr val="tx1"/>
+            </a:solidFill>
+            <a:tailEnd type="arrow"/>
+          </a:ln>
+        </p:spPr>
+        <p:style>
+          <a:lnRef idx="1">
+            <a:schemeClr val="accent1"/>
+          </a:lnRef>
+          <a:fillRef idx="0">
+            <a:schemeClr val="accent1"/>
+          </a:fillRef>
+          <a:effectRef idx="0">
+            <a:schemeClr val="accent1"/>
+          </a:effectRef>
+          <a:fontRef idx="minor">
+            <a:schemeClr val="tx1"/>
+          </a:fontRef>
+        </p:style>
+      </p:cxnSp>
+      <p:cxnSp>
+        <p:nvCxnSpPr>
+          <p:cNvPr id="27" name="Straight Arrow Connector 26"/>
+          <p:cNvCxnSpPr>
+            <a:stCxn id="10" idx="3"/>
+            <a:endCxn id="22" idx="1"/>
+          </p:cNvCxnSpPr>
+          <p:nvPr/>
+        </p:nvCxnSpPr>
+        <p:spPr>
+          <a:xfrm>
+            <a:off x="5448300" y="2628900"/>
+            <a:ext cx="971550" cy="19050"/>
+          </a:xfrm>
+          <a:prstGeom prst="straightConnector1">
+            <a:avLst/>
+          </a:prstGeom>
+          <a:ln w="57150">
+            <a:solidFill>
+              <a:schemeClr val="tx1"/>
+            </a:solidFill>
+            <a:tailEnd type="arrow"/>
+          </a:ln>
+        </p:spPr>
+        <p:style>
+          <a:lnRef idx="1">
+            <a:schemeClr val="accent1"/>
+          </a:lnRef>
+          <a:fillRef idx="0">
+            <a:schemeClr val="accent1"/>
+          </a:fillRef>
+          <a:effectRef idx="0">
+            <a:schemeClr val="accent1"/>
+          </a:effectRef>
+          <a:fontRef idx="minor">
+            <a:schemeClr val="tx1"/>
+          </a:fontRef>
+        </p:style>
+      </p:cxnSp>
+      <p:cxnSp>
+        <p:nvCxnSpPr>
+          <p:cNvPr id="30" name="Straight Arrow Connector 29"/>
+          <p:cNvCxnSpPr>
+            <a:stCxn id="11" idx="3"/>
+            <a:endCxn id="23" idx="1"/>
+          </p:cNvCxnSpPr>
+          <p:nvPr/>
+        </p:nvCxnSpPr>
+        <p:spPr>
+          <a:xfrm>
+            <a:off x="5448300" y="3905250"/>
+            <a:ext cx="971550" cy="0"/>
+          </a:xfrm>
+          <a:prstGeom prst="straightConnector1">
+            <a:avLst/>
+          </a:prstGeom>
+          <a:ln w="57150">
+            <a:solidFill>
+              <a:schemeClr val="tx1"/>
+            </a:solidFill>
+            <a:tailEnd type="arrow"/>
+          </a:ln>
+        </p:spPr>
+        <p:style>
+          <a:lnRef idx="1">
+            <a:schemeClr val="accent1"/>
+          </a:lnRef>
+          <a:fillRef idx="0">
+            <a:schemeClr val="accent1"/>
+          </a:fillRef>
+          <a:effectRef idx="0">
+            <a:schemeClr val="accent1"/>
+          </a:effectRef>
+          <a:fontRef idx="minor">
+            <a:schemeClr val="tx1"/>
+          </a:fontRef>
+        </p:style>
+      </p:cxnSp>
+      <p:sp>
+        <p:nvSpPr>
+          <p:cNvPr id="2" name="TextBox 1"/>
+          <p:cNvSpPr txBox="1"/>
+          <p:nvPr/>
+        </p:nvSpPr>
+        <p:spPr>
+          <a:xfrm>
+            <a:off x="971550" y="885169"/>
+            <a:ext cx="1752600" cy="381000"/>
+          </a:xfrm>
+          <a:prstGeom prst="rect">
+            <a:avLst/>
+          </a:prstGeom>
+          <a:noFill/>
+        </p:spPr>
+        <p:txBody>
+          <a:bodyPr wrap="square" rtlCol="0">
+            <a:spAutoFit/>
+          </a:bodyPr>
+          <a:lstStyle/>
+          <a:p>
+            <a:pPr algn="ctr"/>
+            <a:r>
+              <a:rPr lang="en-US" dirty="0" smtClean="0"/>
+              <a:t>Data</a:t>
+            </a:r>
+            <a:endParaRPr lang="en-US" dirty="0"/>
+          </a:p>
+        </p:txBody>
+      </p:sp>
+      <p:sp>
+        <p:nvSpPr>
+          <p:cNvPr id="19" name="TextBox 18"/>
+          <p:cNvSpPr txBox="1"/>
+          <p:nvPr/>
+        </p:nvSpPr>
+        <p:spPr>
+          <a:xfrm>
+            <a:off x="3695700" y="885169"/>
+            <a:ext cx="1752600" cy="381000"/>
+          </a:xfrm>
+          <a:prstGeom prst="rect">
+            <a:avLst/>
+          </a:prstGeom>
+          <a:noFill/>
+        </p:spPr>
+        <p:txBody>
+          <a:bodyPr wrap="square" rtlCol="0">
+            <a:spAutoFit/>
+          </a:bodyPr>
+          <a:lstStyle/>
+          <a:p>
+            <a:pPr algn="ctr"/>
+            <a:r>
+              <a:rPr lang="en-US" dirty="0" smtClean="0"/>
+              <a:t>Analysis</a:t>
+            </a:r>
+            <a:endParaRPr lang="en-US" dirty="0"/>
+          </a:p>
+        </p:txBody>
+      </p:sp>
+      <p:sp>
+        <p:nvSpPr>
+          <p:cNvPr id="20" name="TextBox 19"/>
+          <p:cNvSpPr txBox="1"/>
+          <p:nvPr/>
+        </p:nvSpPr>
+        <p:spPr>
+          <a:xfrm>
+            <a:off x="6419850" y="885169"/>
+            <a:ext cx="1752600" cy="381000"/>
+          </a:xfrm>
+          <a:prstGeom prst="rect">
+            <a:avLst/>
+          </a:prstGeom>
+          <a:noFill/>
+        </p:spPr>
+        <p:txBody>
+          <a:bodyPr wrap="square" rtlCol="0">
+            <a:spAutoFit/>
+          </a:bodyPr>
+          <a:lstStyle/>
+          <a:p>
+            <a:pPr algn="ctr"/>
+            <a:r>
+              <a:rPr lang="en-US" dirty="0" smtClean="0"/>
+              <a:t>Output</a:t>
+            </a:r>
+            <a:endParaRPr lang="en-US" dirty="0"/>
+          </a:p>
+        </p:txBody>
+      </p:sp>
+    </p:spTree>
+    <p:extLst>
+      <p:ext uri="{BB962C8B-B14F-4D97-AF65-F5344CB8AC3E}">
+        <p14:creationId xmlns:p14="http://schemas.microsoft.com/office/powerpoint/2010/main" val="3780265315"/>
+      </p:ext>
+    </p:extLst>
+  </p:cSld>
+  <p:clrMapOvr>
+    <a:masterClrMapping/>
+  </p:clrMapOvr>
+  <p:timing>
+    <p:tnLst>
+      <p:par>
+        <p:cTn id="1" dur="indefinite" restart="never" nodeType="tmRoot"/>
+      </p:par>
+    </p:tnLst>
+  </p:timing>
+</p:sld>
+</file>
+
+<file path=ppt/slides/slide19.xml><?xml version="1.0" encoding="utf-8"?>
+<p:sld xmlns:a="http://schemas.openxmlformats.org/drawingml/2006/main" xmlns:r="http://schemas.openxmlformats.org/officeDocument/2006/relationships" xmlns:p="http://schemas.openxmlformats.org/presentationml/2006/main">
+  <p:cSld>
+    <p:spTree>
+      <p:nvGrpSpPr>
+        <p:cNvPr id="1" name=""/>
+        <p:cNvGrpSpPr/>
+        <p:nvPr/>
+      </p:nvGrpSpPr>
+      <p:grpSpPr>
+        <a:xfrm>
+          <a:off x="0" y="0"/>
+          <a:ext cx="0" cy="0"/>
+          <a:chOff x="0" y="0"/>
+          <a:chExt cx="0" cy="0"/>
+        </a:xfrm>
+      </p:grpSpPr>
+      <p:sp>
+        <p:nvSpPr>
+          <p:cNvPr id="5" name="Rectangle 4"/>
+          <p:cNvSpPr/>
+          <p:nvPr/>
+        </p:nvSpPr>
+        <p:spPr>
+          <a:xfrm>
+            <a:off x="971550" y="1276350"/>
+            <a:ext cx="1752600" cy="609600"/>
+          </a:xfrm>
+          <a:prstGeom prst="rect">
+            <a:avLst/>
+          </a:prstGeom>
+        </p:spPr>
+        <p:style>
+          <a:lnRef idx="2">
+            <a:schemeClr val="accent1">
+              <a:shade val="50000"/>
+            </a:schemeClr>
+          </a:lnRef>
+          <a:fillRef idx="1">
+            <a:schemeClr val="accent1"/>
+          </a:fillRef>
+          <a:effectRef idx="0">
+            <a:schemeClr val="accent1"/>
+          </a:effectRef>
+          <a:fontRef idx="minor">
+            <a:schemeClr val="lt1"/>
+          </a:fontRef>
+        </p:style>
+        <p:txBody>
+          <a:bodyPr rtlCol="0" anchor="ctr"/>
+          <a:lstStyle/>
+          <a:p>
+            <a:pPr algn="ctr"/>
+            <a:r>
+              <a:rPr lang="en-US" dirty="0" smtClean="0"/>
+              <a:t>Counts</a:t>
+            </a:r>
+            <a:endParaRPr lang="en-US" dirty="0"/>
+          </a:p>
+        </p:txBody>
+      </p:sp>
+      <p:sp>
+        <p:nvSpPr>
+          <p:cNvPr id="6" name="Rectangle 5"/>
+          <p:cNvSpPr/>
+          <p:nvPr/>
+        </p:nvSpPr>
+        <p:spPr>
+          <a:xfrm>
+            <a:off x="971550" y="2324100"/>
+            <a:ext cx="1752600" cy="609600"/>
+          </a:xfrm>
+          <a:prstGeom prst="rect">
+            <a:avLst/>
+          </a:prstGeom>
+          <a:solidFill>
+            <a:schemeClr val="accent3">
+              <a:lumMod val="75000"/>
+            </a:schemeClr>
+          </a:solidFill>
+          <a:ln>
+            <a:solidFill>
+              <a:schemeClr val="accent3">
+                <a:lumMod val="50000"/>
+              </a:schemeClr>
+            </a:solidFill>
+          </a:ln>
+        </p:spPr>
+        <p:style>
+          <a:lnRef idx="2">
+            <a:schemeClr val="accent1">
+              <a:shade val="50000"/>
+            </a:schemeClr>
+          </a:lnRef>
+          <a:fillRef idx="1">
+            <a:schemeClr val="accent1"/>
+          </a:fillRef>
+          <a:effectRef idx="0">
+            <a:schemeClr val="accent1"/>
+          </a:effectRef>
+          <a:fontRef idx="minor">
+            <a:schemeClr val="lt1"/>
+          </a:fontRef>
+        </p:style>
+        <p:txBody>
+          <a:bodyPr rtlCol="0" anchor="ctr"/>
+          <a:lstStyle/>
+          <a:p>
+            <a:pPr algn="ctr"/>
+            <a:r>
+              <a:rPr lang="en-US" dirty="0" smtClean="0">
+                <a:solidFill>
+                  <a:schemeClr val="tx1"/>
+                </a:solidFill>
+              </a:rPr>
+              <a:t>Mark-recapture</a:t>
+            </a:r>
+            <a:endParaRPr lang="en-US" dirty="0">
+              <a:solidFill>
+                <a:schemeClr val="tx1"/>
+              </a:solidFill>
+            </a:endParaRPr>
+          </a:p>
+        </p:txBody>
+      </p:sp>
+      <p:sp>
+        <p:nvSpPr>
+          <p:cNvPr id="7" name="Rectangle 6"/>
+          <p:cNvSpPr/>
+          <p:nvPr/>
+        </p:nvSpPr>
+        <p:spPr>
+          <a:xfrm>
+            <a:off x="971550" y="3486150"/>
+            <a:ext cx="1752600" cy="838200"/>
+          </a:xfrm>
+          <a:prstGeom prst="rect">
+            <a:avLst/>
+          </a:prstGeom>
+          <a:solidFill>
+            <a:schemeClr val="accent2">
+              <a:lumMod val="75000"/>
+            </a:schemeClr>
+          </a:solidFill>
+          <a:ln>
+            <a:solidFill>
+              <a:schemeClr val="accent2">
+                <a:lumMod val="50000"/>
+              </a:schemeClr>
+            </a:solidFill>
+          </a:ln>
+        </p:spPr>
+        <p:style>
+          <a:lnRef idx="2">
+            <a:schemeClr val="accent1">
+              <a:shade val="50000"/>
+            </a:schemeClr>
+          </a:lnRef>
+          <a:fillRef idx="1">
+            <a:schemeClr val="accent1"/>
+          </a:fillRef>
+          <a:effectRef idx="0">
+            <a:schemeClr val="accent1"/>
+          </a:effectRef>
+          <a:fontRef idx="minor">
+            <a:schemeClr val="lt1"/>
+          </a:fontRef>
+        </p:style>
+        <p:txBody>
+          <a:bodyPr rtlCol="0" anchor="ctr"/>
+          <a:lstStyle/>
+          <a:p>
+            <a:pPr algn="ctr"/>
+            <a:r>
+              <a:rPr lang="en-US" dirty="0" smtClean="0"/>
+              <a:t>Number of offspring/female</a:t>
+            </a:r>
+            <a:endParaRPr lang="en-US" dirty="0"/>
+          </a:p>
+        </p:txBody>
+      </p:sp>
+      <p:sp>
+        <p:nvSpPr>
+          <p:cNvPr id="8" name="TextBox 7"/>
+          <p:cNvSpPr txBox="1"/>
+          <p:nvPr/>
+        </p:nvSpPr>
+        <p:spPr>
+          <a:xfrm>
+            <a:off x="2009775" y="361949"/>
+            <a:ext cx="5124450" cy="523220"/>
+          </a:xfrm>
+          <a:prstGeom prst="rect">
+            <a:avLst/>
+          </a:prstGeom>
+          <a:noFill/>
+        </p:spPr>
+        <p:txBody>
+          <a:bodyPr wrap="square" rtlCol="0">
+            <a:spAutoFit/>
+          </a:bodyPr>
+          <a:lstStyle/>
+          <a:p>
+            <a:pPr algn="ctr"/>
+            <a:r>
+              <a:rPr lang="en-US" sz="2800" dirty="0" smtClean="0"/>
+              <a:t>Integrated analysis</a:t>
+            </a:r>
+            <a:endParaRPr lang="en-US" sz="2800" dirty="0"/>
+          </a:p>
+        </p:txBody>
+      </p:sp>
+      <p:cxnSp>
+        <p:nvCxnSpPr>
+          <p:cNvPr id="13" name="Straight Arrow Connector 12"/>
+          <p:cNvCxnSpPr>
+            <a:stCxn id="5" idx="3"/>
+            <a:endCxn id="16" idx="1"/>
+          </p:cNvCxnSpPr>
+          <p:nvPr/>
+        </p:nvCxnSpPr>
+        <p:spPr>
+          <a:xfrm>
+            <a:off x="2724150" y="1581150"/>
+            <a:ext cx="1085850" cy="1066800"/>
+          </a:xfrm>
+          <a:prstGeom prst="straightConnector1">
+            <a:avLst/>
+          </a:prstGeom>
+          <a:ln w="57150">
+            <a:solidFill>
+              <a:schemeClr val="tx1"/>
+            </a:solidFill>
+            <a:tailEnd type="arrow"/>
+          </a:ln>
+        </p:spPr>
+        <p:style>
+          <a:lnRef idx="1">
+            <a:schemeClr val="accent1"/>
+          </a:lnRef>
+          <a:fillRef idx="0">
+            <a:schemeClr val="accent1"/>
+          </a:fillRef>
+          <a:effectRef idx="0">
+            <a:schemeClr val="accent1"/>
+          </a:effectRef>
+          <a:fontRef idx="minor">
+            <a:schemeClr val="tx1"/>
+          </a:fontRef>
+        </p:style>
+      </p:cxnSp>
+      <p:cxnSp>
+        <p:nvCxnSpPr>
+          <p:cNvPr id="15" name="Straight Arrow Connector 14"/>
+          <p:cNvCxnSpPr>
+            <a:stCxn id="6" idx="3"/>
+            <a:endCxn id="16" idx="1"/>
+          </p:cNvCxnSpPr>
+          <p:nvPr/>
+        </p:nvCxnSpPr>
+        <p:spPr>
+          <a:xfrm>
+            <a:off x="2724150" y="2628900"/>
+            <a:ext cx="1085850" cy="19050"/>
+          </a:xfrm>
+          <a:prstGeom prst="straightConnector1">
+            <a:avLst/>
+          </a:prstGeom>
+          <a:ln w="57150">
+            <a:solidFill>
+              <a:schemeClr val="tx1"/>
+            </a:solidFill>
+            <a:tailEnd type="arrow"/>
+          </a:ln>
+        </p:spPr>
+        <p:style>
+          <a:lnRef idx="1">
+            <a:schemeClr val="accent1"/>
+          </a:lnRef>
+          <a:fillRef idx="0">
+            <a:schemeClr val="accent1"/>
+          </a:fillRef>
+          <a:effectRef idx="0">
+            <a:schemeClr val="accent1"/>
+          </a:effectRef>
+          <a:fontRef idx="minor">
+            <a:schemeClr val="tx1"/>
+          </a:fontRef>
+        </p:style>
+      </p:cxnSp>
+      <p:cxnSp>
+        <p:nvCxnSpPr>
+          <p:cNvPr id="18" name="Straight Arrow Connector 17"/>
+          <p:cNvCxnSpPr>
+            <a:stCxn id="7" idx="3"/>
+            <a:endCxn id="16" idx="1"/>
+          </p:cNvCxnSpPr>
+          <p:nvPr/>
+        </p:nvCxnSpPr>
+        <p:spPr>
+          <a:xfrm flipV="1">
+            <a:off x="2724150" y="2647950"/>
+            <a:ext cx="1085850" cy="1257300"/>
+          </a:xfrm>
+          <a:prstGeom prst="straightConnector1">
+            <a:avLst/>
+          </a:prstGeom>
+          <a:ln w="57150">
+            <a:solidFill>
+              <a:schemeClr val="tx1"/>
+            </a:solidFill>
+            <a:tailEnd type="arrow"/>
+          </a:ln>
+        </p:spPr>
+        <p:style>
+          <a:lnRef idx="1">
+            <a:schemeClr val="accent1"/>
+          </a:lnRef>
+          <a:fillRef idx="0">
+            <a:schemeClr val="accent1"/>
+          </a:fillRef>
+          <a:effectRef idx="0">
+            <a:schemeClr val="accent1"/>
+          </a:effectRef>
+          <a:fontRef idx="minor">
+            <a:schemeClr val="tx1"/>
+          </a:fontRef>
+        </p:style>
+      </p:cxnSp>
+      <p:sp>
+        <p:nvSpPr>
+          <p:cNvPr id="21" name="Rectangle 20"/>
+          <p:cNvSpPr/>
+          <p:nvPr/>
+        </p:nvSpPr>
+        <p:spPr>
+          <a:xfrm>
+            <a:off x="6419850" y="1276350"/>
+            <a:ext cx="1752600" cy="609600"/>
+          </a:xfrm>
+          <a:prstGeom prst="rect">
+            <a:avLst/>
+          </a:prstGeom>
+        </p:spPr>
+        <p:style>
+          <a:lnRef idx="2">
+            <a:schemeClr val="accent1">
+              <a:shade val="50000"/>
+            </a:schemeClr>
+          </a:lnRef>
+          <a:fillRef idx="1">
+            <a:schemeClr val="accent1"/>
+          </a:fillRef>
+          <a:effectRef idx="0">
+            <a:schemeClr val="accent1"/>
+          </a:effectRef>
+          <a:fontRef idx="minor">
+            <a:schemeClr val="lt1"/>
+          </a:fontRef>
+        </p:style>
+        <p:txBody>
+          <a:bodyPr rtlCol="0" anchor="ctr"/>
+          <a:lstStyle/>
+          <a:p>
+            <a:pPr algn="ctr"/>
+            <a:r>
+              <a:rPr lang="en-US" dirty="0" smtClean="0"/>
+              <a:t>Abundance estimate</a:t>
+            </a:r>
+            <a:endParaRPr lang="en-US" dirty="0"/>
+          </a:p>
+        </p:txBody>
+      </p:sp>
+      <p:sp>
+        <p:nvSpPr>
+          <p:cNvPr id="22" name="Rectangle 21"/>
+          <p:cNvSpPr/>
+          <p:nvPr/>
+        </p:nvSpPr>
+        <p:spPr>
+          <a:xfrm>
+            <a:off x="6419850" y="2343150"/>
+            <a:ext cx="1752600" cy="609600"/>
+          </a:xfrm>
+          <a:prstGeom prst="rect">
+            <a:avLst/>
+          </a:prstGeom>
+          <a:solidFill>
+            <a:schemeClr val="accent3">
+              <a:lumMod val="75000"/>
+            </a:schemeClr>
+          </a:solidFill>
+          <a:ln>
+            <a:solidFill>
+              <a:schemeClr val="accent3">
+                <a:lumMod val="50000"/>
+              </a:schemeClr>
+            </a:solidFill>
+          </a:ln>
+        </p:spPr>
+        <p:style>
+          <a:lnRef idx="2">
+            <a:schemeClr val="accent1">
+              <a:shade val="50000"/>
+            </a:schemeClr>
+          </a:lnRef>
+          <a:fillRef idx="1">
+            <a:schemeClr val="accent1"/>
+          </a:fillRef>
+          <a:effectRef idx="0">
+            <a:schemeClr val="accent1"/>
+          </a:effectRef>
+          <a:fontRef idx="minor">
+            <a:schemeClr val="lt1"/>
+          </a:fontRef>
+        </p:style>
+        <p:txBody>
+          <a:bodyPr rtlCol="0" anchor="ctr"/>
+          <a:lstStyle/>
+          <a:p>
+            <a:pPr algn="ctr"/>
+            <a:r>
+              <a:rPr lang="en-US" dirty="0" smtClean="0">
+                <a:solidFill>
+                  <a:schemeClr val="tx1"/>
+                </a:solidFill>
+              </a:rPr>
+              <a:t>Survival probability</a:t>
+            </a:r>
+            <a:endParaRPr lang="en-US" dirty="0">
+              <a:solidFill>
+                <a:schemeClr val="tx1"/>
+              </a:solidFill>
+            </a:endParaRPr>
+          </a:p>
+        </p:txBody>
+      </p:sp>
+      <p:sp>
+        <p:nvSpPr>
+          <p:cNvPr id="23" name="Rectangle 22"/>
+          <p:cNvSpPr/>
+          <p:nvPr/>
+        </p:nvSpPr>
+        <p:spPr>
+          <a:xfrm>
+            <a:off x="6419850" y="3486150"/>
+            <a:ext cx="1752600" cy="838200"/>
+          </a:xfrm>
+          <a:prstGeom prst="rect">
+            <a:avLst/>
+          </a:prstGeom>
+          <a:solidFill>
+            <a:schemeClr val="accent2">
+              <a:lumMod val="75000"/>
+            </a:schemeClr>
+          </a:solidFill>
+          <a:ln>
+            <a:solidFill>
+              <a:schemeClr val="accent2">
+                <a:lumMod val="50000"/>
+              </a:schemeClr>
+            </a:solidFill>
+          </a:ln>
+        </p:spPr>
+        <p:style>
+          <a:lnRef idx="2">
+            <a:schemeClr val="accent1">
+              <a:shade val="50000"/>
+            </a:schemeClr>
+          </a:lnRef>
+          <a:fillRef idx="1">
+            <a:schemeClr val="accent1"/>
+          </a:fillRef>
+          <a:effectRef idx="0">
+            <a:schemeClr val="accent1"/>
+          </a:effectRef>
+          <a:fontRef idx="minor">
+            <a:schemeClr val="lt1"/>
+          </a:fontRef>
+        </p:style>
+        <p:txBody>
+          <a:bodyPr rtlCol="0" anchor="ctr"/>
+          <a:lstStyle/>
+          <a:p>
+            <a:pPr algn="ctr"/>
+            <a:r>
+              <a:rPr lang="en-US" dirty="0" smtClean="0"/>
+              <a:t>Average fecundity</a:t>
+            </a:r>
+            <a:endParaRPr lang="en-US" dirty="0"/>
+          </a:p>
+        </p:txBody>
+      </p:sp>
+      <p:cxnSp>
+        <p:nvCxnSpPr>
+          <p:cNvPr id="24" name="Straight Arrow Connector 23"/>
+          <p:cNvCxnSpPr>
+            <a:stCxn id="16" idx="3"/>
+            <a:endCxn id="21" idx="1"/>
+          </p:cNvCxnSpPr>
+          <p:nvPr/>
+        </p:nvCxnSpPr>
+        <p:spPr>
+          <a:xfrm flipV="1">
+            <a:off x="5562600" y="1581150"/>
+            <a:ext cx="857250" cy="1066800"/>
+          </a:xfrm>
+          <a:prstGeom prst="straightConnector1">
+            <a:avLst/>
+          </a:prstGeom>
+          <a:ln w="57150">
+            <a:solidFill>
+              <a:schemeClr val="tx1"/>
+            </a:solidFill>
+            <a:tailEnd type="arrow"/>
+          </a:ln>
+        </p:spPr>
+        <p:style>
+          <a:lnRef idx="1">
+            <a:schemeClr val="accent1"/>
+          </a:lnRef>
+          <a:fillRef idx="0">
+            <a:schemeClr val="accent1"/>
+          </a:fillRef>
+          <a:effectRef idx="0">
+            <a:schemeClr val="accent1"/>
+          </a:effectRef>
+          <a:fontRef idx="minor">
+            <a:schemeClr val="tx1"/>
+          </a:fontRef>
+        </p:style>
+      </p:cxnSp>
+      <p:cxnSp>
+        <p:nvCxnSpPr>
+          <p:cNvPr id="27" name="Straight Arrow Connector 26"/>
+          <p:cNvCxnSpPr>
+            <a:stCxn id="16" idx="3"/>
+            <a:endCxn id="22" idx="1"/>
+          </p:cNvCxnSpPr>
+          <p:nvPr/>
+        </p:nvCxnSpPr>
+        <p:spPr>
+          <a:xfrm>
+            <a:off x="5562600" y="2647950"/>
+            <a:ext cx="857250" cy="0"/>
+          </a:xfrm>
+          <a:prstGeom prst="straightConnector1">
+            <a:avLst/>
+          </a:prstGeom>
+          <a:ln w="57150">
+            <a:solidFill>
+              <a:schemeClr val="tx1"/>
+            </a:solidFill>
+            <a:tailEnd type="arrow"/>
+          </a:ln>
+        </p:spPr>
+        <p:style>
+          <a:lnRef idx="1">
+            <a:schemeClr val="accent1"/>
+          </a:lnRef>
+          <a:fillRef idx="0">
+            <a:schemeClr val="accent1"/>
+          </a:fillRef>
+          <a:effectRef idx="0">
+            <a:schemeClr val="accent1"/>
+          </a:effectRef>
+          <a:fontRef idx="minor">
+            <a:schemeClr val="tx1"/>
+          </a:fontRef>
+        </p:style>
+      </p:cxnSp>
+      <p:cxnSp>
+        <p:nvCxnSpPr>
+          <p:cNvPr id="30" name="Straight Arrow Connector 29"/>
+          <p:cNvCxnSpPr>
+            <a:stCxn id="16" idx="3"/>
+            <a:endCxn id="23" idx="1"/>
+          </p:cNvCxnSpPr>
+          <p:nvPr/>
+        </p:nvCxnSpPr>
+        <p:spPr>
+          <a:xfrm>
+            <a:off x="5562600" y="2647950"/>
+            <a:ext cx="857250" cy="1257300"/>
+          </a:xfrm>
+          <a:prstGeom prst="straightConnector1">
+            <a:avLst/>
+          </a:prstGeom>
+          <a:ln w="57150">
+            <a:solidFill>
+              <a:schemeClr val="tx1"/>
+            </a:solidFill>
+            <a:tailEnd type="arrow"/>
+          </a:ln>
+        </p:spPr>
+        <p:style>
+          <a:lnRef idx="1">
+            <a:schemeClr val="accent1"/>
+          </a:lnRef>
+          <a:fillRef idx="0">
+            <a:schemeClr val="accent1"/>
+          </a:fillRef>
+          <a:effectRef idx="0">
+            <a:schemeClr val="accent1"/>
+          </a:effectRef>
+          <a:fontRef idx="minor">
+            <a:schemeClr val="tx1"/>
+          </a:fontRef>
+        </p:style>
+      </p:cxnSp>
+      <p:cxnSp>
+        <p:nvCxnSpPr>
+          <p:cNvPr id="3" name="Straight Connector 2"/>
+          <p:cNvCxnSpPr>
+            <a:stCxn id="21" idx="2"/>
+            <a:endCxn id="22" idx="0"/>
+          </p:cNvCxnSpPr>
+          <p:nvPr/>
+        </p:nvCxnSpPr>
+        <p:spPr>
+          <a:xfrm>
+            <a:off x="7296150" y="1885950"/>
+            <a:ext cx="0" cy="457200"/>
+          </a:xfrm>
+          <a:prstGeom prst="line">
+            <a:avLst/>
+          </a:prstGeom>
+          <a:ln w="57150">
+            <a:solidFill>
+              <a:schemeClr val="tx1"/>
+            </a:solidFill>
+            <a:prstDash val="sysDot"/>
+          </a:ln>
+        </p:spPr>
+        <p:style>
+          <a:lnRef idx="1">
+            <a:schemeClr val="accent1"/>
+          </a:lnRef>
+          <a:fillRef idx="0">
+            <a:schemeClr val="accent1"/>
+          </a:fillRef>
+          <a:effectRef idx="0">
+            <a:schemeClr val="accent1"/>
+          </a:effectRef>
+          <a:fontRef idx="minor">
+            <a:schemeClr val="tx1"/>
+          </a:fontRef>
+        </p:style>
+      </p:cxnSp>
+      <p:cxnSp>
+        <p:nvCxnSpPr>
+          <p:cNvPr id="25" name="Straight Connector 24"/>
+          <p:cNvCxnSpPr>
+            <a:stCxn id="22" idx="2"/>
+            <a:endCxn id="23" idx="0"/>
+          </p:cNvCxnSpPr>
+          <p:nvPr/>
+        </p:nvCxnSpPr>
+        <p:spPr>
+          <a:xfrm>
+            <a:off x="7296150" y="2952750"/>
+            <a:ext cx="0" cy="533400"/>
+          </a:xfrm>
+          <a:prstGeom prst="line">
+            <a:avLst/>
+          </a:prstGeom>
+          <a:ln w="57150">
+            <a:solidFill>
+              <a:schemeClr val="tx1"/>
+            </a:solidFill>
+            <a:prstDash val="sysDot"/>
+          </a:ln>
+        </p:spPr>
+        <p:style>
+          <a:lnRef idx="1">
+            <a:schemeClr val="accent1"/>
+          </a:lnRef>
+          <a:fillRef idx="0">
+            <a:schemeClr val="accent1"/>
+          </a:fillRef>
+          <a:effectRef idx="0">
+            <a:schemeClr val="accent1"/>
+          </a:effectRef>
+          <a:fontRef idx="minor">
+            <a:schemeClr val="tx1"/>
+          </a:fontRef>
+        </p:style>
+      </p:cxnSp>
+      <p:sp>
+        <p:nvSpPr>
+          <p:cNvPr id="16" name="Rectangle 15"/>
+          <p:cNvSpPr/>
+          <p:nvPr/>
+        </p:nvSpPr>
+        <p:spPr>
+          <a:xfrm>
+            <a:off x="3810000" y="1238250"/>
+            <a:ext cx="1752600" cy="2819400"/>
+          </a:xfrm>
+          <a:prstGeom prst="rect">
+            <a:avLst/>
+          </a:prstGeom>
+          <a:gradFill flip="none" rotWithShape="1">
+            <a:gsLst>
+              <a:gs pos="0">
+                <a:schemeClr val="accent1"/>
+              </a:gs>
+              <a:gs pos="50000">
+                <a:schemeClr val="accent3"/>
+              </a:gs>
+              <a:gs pos="100000">
+                <a:schemeClr val="accent2">
+                  <a:lumMod val="75000"/>
+                </a:schemeClr>
+              </a:gs>
+            </a:gsLst>
+            <a:lin ang="5400000" scaled="1"/>
+            <a:tileRect/>
+          </a:gradFill>
+        </p:spPr>
+        <p:style>
+          <a:lnRef idx="2">
+            <a:schemeClr val="accent1">
+              <a:shade val="50000"/>
+            </a:schemeClr>
+          </a:lnRef>
+          <a:fillRef idx="1">
+            <a:schemeClr val="accent1"/>
+          </a:fillRef>
+          <a:effectRef idx="0">
+            <a:schemeClr val="accent1"/>
+          </a:effectRef>
+          <a:fontRef idx="minor">
+            <a:schemeClr val="lt1"/>
+          </a:fontRef>
+        </p:style>
+        <p:txBody>
+          <a:bodyPr rtlCol="0" anchor="ctr"/>
+          <a:lstStyle/>
+          <a:p>
+            <a:pPr algn="ctr"/>
+            <a:r>
+              <a:rPr lang="en-US" sz="2400" dirty="0" smtClean="0">
+                <a:solidFill>
+                  <a:schemeClr val="tx1"/>
+                </a:solidFill>
+              </a:rPr>
+              <a:t>IPM</a:t>
+            </a:r>
+            <a:endParaRPr lang="en-US" sz="2400" dirty="0">
+              <a:solidFill>
+                <a:schemeClr val="tx1"/>
+              </a:solidFill>
+            </a:endParaRPr>
+          </a:p>
+        </p:txBody>
+      </p:sp>
+      <p:sp>
+        <p:nvSpPr>
+          <p:cNvPr id="19" name="TextBox 18"/>
+          <p:cNvSpPr txBox="1"/>
+          <p:nvPr/>
+        </p:nvSpPr>
+        <p:spPr>
+          <a:xfrm>
+            <a:off x="971550" y="885169"/>
+            <a:ext cx="1752600" cy="381000"/>
+          </a:xfrm>
+          <a:prstGeom prst="rect">
+            <a:avLst/>
+          </a:prstGeom>
+          <a:noFill/>
+        </p:spPr>
+        <p:txBody>
+          <a:bodyPr wrap="square" rtlCol="0">
+            <a:spAutoFit/>
+          </a:bodyPr>
+          <a:lstStyle/>
+          <a:p>
+            <a:pPr algn="ctr"/>
+            <a:r>
+              <a:rPr lang="en-US" dirty="0" smtClean="0"/>
+              <a:t>Data</a:t>
+            </a:r>
+            <a:endParaRPr lang="en-US" dirty="0"/>
+          </a:p>
+        </p:txBody>
+      </p:sp>
+      <p:sp>
+        <p:nvSpPr>
+          <p:cNvPr id="20" name="TextBox 19"/>
+          <p:cNvSpPr txBox="1"/>
+          <p:nvPr/>
+        </p:nvSpPr>
+        <p:spPr>
+          <a:xfrm>
+            <a:off x="3810000" y="885169"/>
+            <a:ext cx="1752600" cy="381000"/>
+          </a:xfrm>
+          <a:prstGeom prst="rect">
+            <a:avLst/>
+          </a:prstGeom>
+          <a:noFill/>
+        </p:spPr>
+        <p:txBody>
+          <a:bodyPr wrap="square" rtlCol="0">
+            <a:spAutoFit/>
+          </a:bodyPr>
+          <a:lstStyle/>
+          <a:p>
+            <a:pPr algn="ctr"/>
+            <a:r>
+              <a:rPr lang="en-US" dirty="0" smtClean="0"/>
+              <a:t>Analysis</a:t>
+            </a:r>
+            <a:endParaRPr lang="en-US" dirty="0"/>
+          </a:p>
+        </p:txBody>
+      </p:sp>
+      <p:sp>
+        <p:nvSpPr>
+          <p:cNvPr id="26" name="TextBox 25"/>
+          <p:cNvSpPr txBox="1"/>
+          <p:nvPr/>
+        </p:nvSpPr>
+        <p:spPr>
+          <a:xfrm>
+            <a:off x="6419850" y="885169"/>
+            <a:ext cx="1752600" cy="381000"/>
+          </a:xfrm>
+          <a:prstGeom prst="rect">
+            <a:avLst/>
+          </a:prstGeom>
+          <a:noFill/>
+        </p:spPr>
+        <p:txBody>
+          <a:bodyPr wrap="square" rtlCol="0">
+            <a:spAutoFit/>
+          </a:bodyPr>
+          <a:lstStyle/>
+          <a:p>
+            <a:pPr algn="ctr"/>
+            <a:r>
+              <a:rPr lang="en-US" dirty="0" smtClean="0"/>
+              <a:t>Output</a:t>
+            </a:r>
+            <a:endParaRPr lang="en-US" dirty="0"/>
+          </a:p>
+        </p:txBody>
+      </p:sp>
+    </p:spTree>
+    <p:extLst>
+      <p:ext uri="{BB962C8B-B14F-4D97-AF65-F5344CB8AC3E}">
+        <p14:creationId xmlns:p14="http://schemas.microsoft.com/office/powerpoint/2010/main" val="1456710528"/>
       </p:ext>
     </p:extLst>
   </p:cSld>
@@ -7396,6 +9767,985 @@
         <p:cTn id="1" dur="indefinite" restart="never" nodeType="tmRoot"/>
       </p:par>
     </p:tnLst>
+  </p:timing>
+</p:sld>
+</file>
+
+<file path=ppt/slides/slide20.xml><?xml version="1.0" encoding="utf-8"?>
+<p:sld xmlns:a="http://schemas.openxmlformats.org/drawingml/2006/main" xmlns:r="http://schemas.openxmlformats.org/officeDocument/2006/relationships" xmlns:p="http://schemas.openxmlformats.org/presentationml/2006/main">
+  <p:cSld>
+    <p:spTree>
+      <p:nvGrpSpPr>
+        <p:cNvPr id="1" name=""/>
+        <p:cNvGrpSpPr/>
+        <p:nvPr/>
+      </p:nvGrpSpPr>
+      <p:grpSpPr>
+        <a:xfrm>
+          <a:off x="0" y="0"/>
+          <a:ext cx="0" cy="0"/>
+          <a:chOff x="0" y="0"/>
+          <a:chExt cx="0" cy="0"/>
+        </a:xfrm>
+      </p:grpSpPr>
+      <p:grpSp>
+        <p:nvGrpSpPr>
+          <p:cNvPr id="4" name="Group 3"/>
+          <p:cNvGrpSpPr/>
+          <p:nvPr/>
+        </p:nvGrpSpPr>
+        <p:grpSpPr>
+          <a:xfrm>
+            <a:off x="0" y="336881"/>
+            <a:ext cx="9144000" cy="707886"/>
+            <a:chOff x="0" y="1905000"/>
+            <a:chExt cx="9144000" cy="943848"/>
+          </a:xfrm>
+        </p:grpSpPr>
+        <p:sp>
+          <p:nvSpPr>
+            <p:cNvPr id="5" name="TextBox 4"/>
+            <p:cNvSpPr txBox="1"/>
+            <p:nvPr/>
+          </p:nvSpPr>
+          <p:spPr>
+            <a:xfrm>
+              <a:off x="0" y="1905000"/>
+              <a:ext cx="2133600" cy="943848"/>
+            </a:xfrm>
+            <a:prstGeom prst="rect">
+              <a:avLst/>
+            </a:prstGeom>
+            <a:noFill/>
+          </p:spPr>
+          <p:txBody>
+            <a:bodyPr wrap="square" rtlCol="0">
+              <a:spAutoFit/>
+            </a:bodyPr>
+            <a:lstStyle/>
+            <a:p>
+              <a:pPr algn="ctr"/>
+              <a:r>
+                <a:rPr lang="en-US" sz="2000" b="1" dirty="0" smtClean="0"/>
+                <a:t>Change in population size</a:t>
+              </a:r>
+              <a:endParaRPr lang="en-US" sz="2000" b="1" dirty="0"/>
+            </a:p>
+          </p:txBody>
+        </p:sp>
+        <p:sp>
+          <p:nvSpPr>
+            <p:cNvPr id="6" name="TextBox 5"/>
+            <p:cNvSpPr txBox="1"/>
+            <p:nvPr/>
+          </p:nvSpPr>
+          <p:spPr>
+            <a:xfrm>
+              <a:off x="2041558" y="2090299"/>
+              <a:ext cx="1676400" cy="533480"/>
+            </a:xfrm>
+            <a:prstGeom prst="rect">
+              <a:avLst/>
+            </a:prstGeom>
+            <a:noFill/>
+          </p:spPr>
+          <p:txBody>
+            <a:bodyPr wrap="square" rtlCol="0">
+              <a:spAutoFit/>
+            </a:bodyPr>
+            <a:lstStyle/>
+            <a:p>
+              <a:pPr algn="ctr"/>
+              <a:r>
+                <a:rPr lang="en-US" sz="2000" b="1" dirty="0" smtClean="0">
+                  <a:solidFill>
+                    <a:srgbClr val="9C0E63"/>
+                  </a:solidFill>
+                </a:rPr>
+                <a:t>births</a:t>
+              </a:r>
+              <a:endParaRPr lang="en-US" sz="2400" b="1" dirty="0">
+                <a:solidFill>
+                  <a:srgbClr val="9C0E63"/>
+                </a:solidFill>
+              </a:endParaRPr>
+            </a:p>
+          </p:txBody>
+        </p:sp>
+        <p:sp>
+          <p:nvSpPr>
+            <p:cNvPr id="7" name="TextBox 6"/>
+            <p:cNvSpPr txBox="1"/>
+            <p:nvPr/>
+          </p:nvSpPr>
+          <p:spPr>
+            <a:xfrm>
+              <a:off x="5730840" y="2090299"/>
+              <a:ext cx="1676400" cy="533480"/>
+            </a:xfrm>
+            <a:prstGeom prst="rect">
+              <a:avLst/>
+            </a:prstGeom>
+            <a:noFill/>
+          </p:spPr>
+          <p:txBody>
+            <a:bodyPr wrap="square" rtlCol="0">
+              <a:spAutoFit/>
+            </a:bodyPr>
+            <a:lstStyle/>
+            <a:p>
+              <a:pPr algn="ctr"/>
+              <a:r>
+                <a:rPr lang="en-US" sz="2000" b="1" dirty="0" smtClean="0">
+                  <a:solidFill>
+                    <a:srgbClr val="00B0F0"/>
+                  </a:solidFill>
+                </a:rPr>
+                <a:t>deaths</a:t>
+              </a:r>
+              <a:endParaRPr lang="en-US" sz="2400" b="1" dirty="0">
+                <a:solidFill>
+                  <a:srgbClr val="00B0F0"/>
+                </a:solidFill>
+              </a:endParaRPr>
+            </a:p>
+          </p:txBody>
+        </p:sp>
+        <p:sp>
+          <p:nvSpPr>
+            <p:cNvPr id="8" name="TextBox 7"/>
+            <p:cNvSpPr txBox="1"/>
+            <p:nvPr/>
+          </p:nvSpPr>
+          <p:spPr>
+            <a:xfrm>
+              <a:off x="3778316" y="2090299"/>
+              <a:ext cx="1892166" cy="533480"/>
+            </a:xfrm>
+            <a:prstGeom prst="rect">
+              <a:avLst/>
+            </a:prstGeom>
+            <a:noFill/>
+          </p:spPr>
+          <p:txBody>
+            <a:bodyPr wrap="square" rtlCol="0">
+              <a:spAutoFit/>
+            </a:bodyPr>
+            <a:lstStyle/>
+            <a:p>
+              <a:pPr algn="ctr"/>
+              <a:r>
+                <a:rPr lang="en-US" sz="2000" b="1" dirty="0" smtClean="0">
+                  <a:solidFill>
+                    <a:srgbClr val="F2700E"/>
+                  </a:solidFill>
+                </a:rPr>
+                <a:t>immigration</a:t>
+              </a:r>
+              <a:endParaRPr lang="en-US" sz="2000" b="1" dirty="0">
+                <a:solidFill>
+                  <a:srgbClr val="F2700E"/>
+                </a:solidFill>
+              </a:endParaRPr>
+            </a:p>
+          </p:txBody>
+        </p:sp>
+        <p:sp>
+          <p:nvSpPr>
+            <p:cNvPr id="9" name="TextBox 8"/>
+            <p:cNvSpPr txBox="1"/>
+            <p:nvPr/>
+          </p:nvSpPr>
+          <p:spPr>
+            <a:xfrm>
+              <a:off x="7467600" y="2090299"/>
+              <a:ext cx="1676400" cy="533480"/>
+            </a:xfrm>
+            <a:prstGeom prst="rect">
+              <a:avLst/>
+            </a:prstGeom>
+            <a:noFill/>
+          </p:spPr>
+          <p:txBody>
+            <a:bodyPr wrap="square" rtlCol="0">
+              <a:spAutoFit/>
+            </a:bodyPr>
+            <a:lstStyle/>
+            <a:p>
+              <a:pPr algn="ctr"/>
+              <a:r>
+                <a:rPr lang="en-US" sz="2000" b="1" dirty="0" smtClean="0">
+                  <a:solidFill>
+                    <a:srgbClr val="00B050"/>
+                  </a:solidFill>
+                </a:rPr>
+                <a:t>emigration</a:t>
+              </a:r>
+              <a:endParaRPr lang="en-US" sz="2000" b="1" dirty="0">
+                <a:solidFill>
+                  <a:srgbClr val="00B050"/>
+                </a:solidFill>
+              </a:endParaRPr>
+            </a:p>
+          </p:txBody>
+        </p:sp>
+        <p:sp>
+          <p:nvSpPr>
+            <p:cNvPr id="10" name="TextBox 9"/>
+            <p:cNvSpPr txBox="1"/>
+            <p:nvPr/>
+          </p:nvSpPr>
+          <p:spPr>
+            <a:xfrm>
+              <a:off x="2057400" y="2090299"/>
+              <a:ext cx="304800" cy="615553"/>
+            </a:xfrm>
+            <a:prstGeom prst="rect">
+              <a:avLst/>
+            </a:prstGeom>
+            <a:noFill/>
+          </p:spPr>
+          <p:txBody>
+            <a:bodyPr wrap="square" rtlCol="0">
+              <a:spAutoFit/>
+            </a:bodyPr>
+            <a:lstStyle/>
+            <a:p>
+              <a:pPr algn="ctr"/>
+              <a:r>
+                <a:rPr lang="en-US" sz="2400" dirty="0" smtClean="0"/>
+                <a:t>=</a:t>
+              </a:r>
+              <a:endParaRPr lang="en-US" sz="2400" dirty="0"/>
+            </a:p>
+          </p:txBody>
+        </p:sp>
+        <p:sp>
+          <p:nvSpPr>
+            <p:cNvPr id="11" name="TextBox 10"/>
+            <p:cNvSpPr txBox="1"/>
+            <p:nvPr/>
+          </p:nvSpPr>
+          <p:spPr>
+            <a:xfrm>
+              <a:off x="3505200" y="2090299"/>
+              <a:ext cx="304800" cy="615553"/>
+            </a:xfrm>
+            <a:prstGeom prst="rect">
+              <a:avLst/>
+            </a:prstGeom>
+            <a:noFill/>
+          </p:spPr>
+          <p:txBody>
+            <a:bodyPr wrap="square" rtlCol="0">
+              <a:spAutoFit/>
+            </a:bodyPr>
+            <a:lstStyle/>
+            <a:p>
+              <a:pPr algn="ctr"/>
+              <a:r>
+                <a:rPr lang="en-US" sz="2400" dirty="0" smtClean="0"/>
+                <a:t>+</a:t>
+              </a:r>
+              <a:endParaRPr lang="en-US" sz="2400" dirty="0"/>
+            </a:p>
+          </p:txBody>
+        </p:sp>
+        <p:sp>
+          <p:nvSpPr>
+            <p:cNvPr id="12" name="TextBox 11"/>
+            <p:cNvSpPr txBox="1"/>
+            <p:nvPr/>
+          </p:nvSpPr>
+          <p:spPr>
+            <a:xfrm>
+              <a:off x="5715000" y="2089665"/>
+              <a:ext cx="304800" cy="615553"/>
+            </a:xfrm>
+            <a:prstGeom prst="rect">
+              <a:avLst/>
+            </a:prstGeom>
+            <a:noFill/>
+          </p:spPr>
+          <p:txBody>
+            <a:bodyPr wrap="square" rtlCol="0">
+              <a:spAutoFit/>
+            </a:bodyPr>
+            <a:lstStyle/>
+            <a:p>
+              <a:pPr algn="ctr"/>
+              <a:r>
+                <a:rPr lang="en-US" sz="2400" dirty="0"/>
+                <a:t>-</a:t>
+              </a:r>
+            </a:p>
+          </p:txBody>
+        </p:sp>
+        <p:sp>
+          <p:nvSpPr>
+            <p:cNvPr id="13" name="TextBox 12"/>
+            <p:cNvSpPr txBox="1"/>
+            <p:nvPr/>
+          </p:nvSpPr>
+          <p:spPr>
+            <a:xfrm>
+              <a:off x="7239000" y="2102347"/>
+              <a:ext cx="304800" cy="615553"/>
+            </a:xfrm>
+            <a:prstGeom prst="rect">
+              <a:avLst/>
+            </a:prstGeom>
+            <a:noFill/>
+          </p:spPr>
+          <p:txBody>
+            <a:bodyPr wrap="square" rtlCol="0">
+              <a:spAutoFit/>
+            </a:bodyPr>
+            <a:lstStyle/>
+            <a:p>
+              <a:pPr algn="ctr"/>
+              <a:r>
+                <a:rPr lang="en-US" sz="2400" dirty="0"/>
+                <a:t>-</a:t>
+              </a:r>
+            </a:p>
+          </p:txBody>
+        </p:sp>
+      </p:grpSp>
+      <mc:AlternateContent xmlns:mc="http://schemas.openxmlformats.org/markup-compatibility/2006" xmlns:a14="http://schemas.microsoft.com/office/drawing/2010/main">
+        <mc:Choice Requires="a14">
+          <p:sp>
+            <p:nvSpPr>
+              <p:cNvPr id="15" name="TextBox 14"/>
+              <p:cNvSpPr txBox="1"/>
+              <p:nvPr/>
+            </p:nvSpPr>
+            <p:spPr>
+              <a:xfrm>
+                <a:off x="1242131" y="2155746"/>
+                <a:ext cx="1880387" cy="1200329"/>
+              </a:xfrm>
+              <a:prstGeom prst="rect">
+                <a:avLst/>
+              </a:prstGeom>
+              <a:noFill/>
+            </p:spPr>
+            <p:txBody>
+              <a:bodyPr wrap="none" rtlCol="0">
+                <a:spAutoFit/>
+              </a:bodyPr>
+              <a:lstStyle/>
+              <a:p>
+                <a:pPr/>
+                <a14:m>
+                  <m:oMathPara xmlns:m="http://schemas.openxmlformats.org/officeDocument/2006/math">
+                    <m:oMathParaPr>
+                      <m:jc m:val="centerGroup"/>
+                    </m:oMathParaPr>
+                    <m:oMath xmlns:m="http://schemas.openxmlformats.org/officeDocument/2006/math">
+                      <m:r>
+                        <a:rPr lang="en-US" sz="7200" i="1" smtClean="0">
+                          <a:latin typeface="Cambria Math"/>
+                          <a:ea typeface="Cambria Math"/>
+                        </a:rPr>
+                        <m:t>𝜆</m:t>
+                      </m:r>
+                      <m:r>
+                        <a:rPr lang="en-US" sz="7200" b="0" i="1" smtClean="0">
+                          <a:latin typeface="Cambria Math"/>
+                          <a:ea typeface="Cambria Math"/>
+                        </a:rPr>
+                        <m:t>=</m:t>
+                      </m:r>
+                    </m:oMath>
+                  </m:oMathPara>
+                </a14:m>
+                <a:endParaRPr lang="en-US" dirty="0"/>
+              </a:p>
+            </p:txBody>
+          </p:sp>
+        </mc:Choice>
+        <mc:Fallback xmlns="">
+          <p:sp>
+            <p:nvSpPr>
+              <p:cNvPr id="15" name="TextBox 14"/>
+              <p:cNvSpPr txBox="1">
+                <a:spLocks noRot="1" noChangeAspect="1" noMove="1" noResize="1" noEditPoints="1" noAdjustHandles="1" noChangeArrowheads="1" noChangeShapeType="1" noTextEdit="1"/>
+              </p:cNvSpPr>
+              <p:nvPr/>
+            </p:nvSpPr>
+            <p:spPr>
+              <a:xfrm>
+                <a:off x="1242131" y="2155746"/>
+                <a:ext cx="1880387" cy="1200329"/>
+              </a:xfrm>
+              <a:prstGeom prst="rect">
+                <a:avLst/>
+              </a:prstGeom>
+              <a:blipFill rotWithShape="1">
+                <a:blip r:embed="rId2"/>
+                <a:stretch>
+                  <a:fillRect/>
+                </a:stretch>
+              </a:blipFill>
+            </p:spPr>
+            <p:txBody>
+              <a:bodyPr/>
+              <a:lstStyle/>
+              <a:p>
+                <a:r>
+                  <a:rPr lang="en-US">
+                    <a:noFill/>
+                  </a:rPr>
+                  <a:t> </a:t>
+                </a:r>
+              </a:p>
+            </p:txBody>
+          </p:sp>
+        </mc:Fallback>
+      </mc:AlternateContent>
+      <p:pic>
+        <p:nvPicPr>
+          <p:cNvPr id="1027" name="Picture 3" descr="C:\Users\amt0046\AppData\Local\Microsoft\Windows\Temporary Internet Files\Content.IE5\TWDIRV7I\1396902006[1].png"/>
+          <p:cNvPicPr>
+            <a:picLocks noChangeAspect="1" noChangeArrowheads="1"/>
+          </p:cNvPicPr>
+          <p:nvPr/>
+        </p:nvPicPr>
+        <p:blipFill>
+          <a:blip r:embed="rId3">
+            <a:extLst>
+              <a:ext uri="{28A0092B-C50C-407E-A947-70E740481C1C}">
+                <a14:useLocalDpi xmlns:a14="http://schemas.microsoft.com/office/drawing/2010/main" val="0"/>
+              </a:ext>
+            </a:extLst>
+          </a:blip>
+          <a:srcRect/>
+          <a:stretch>
+            <a:fillRect/>
+          </a:stretch>
+        </p:blipFill>
+        <p:spPr bwMode="auto">
+          <a:xfrm>
+            <a:off x="3132043" y="956081"/>
+            <a:ext cx="4013121" cy="4023179"/>
+          </a:xfrm>
+          <a:prstGeom prst="rect">
+            <a:avLst/>
+          </a:prstGeom>
+          <a:noFill/>
+          <a:extLst>
+            <a:ext uri="{909E8E84-426E-40DD-AFC4-6F175D3DCCD1}">
+              <a14:hiddenFill xmlns:a14="http://schemas.microsoft.com/office/drawing/2010/main">
+                <a:solidFill>
+                  <a:srgbClr val="FFFFFF"/>
+                </a:solidFill>
+              </a14:hiddenFill>
+            </a:ext>
+          </a:extLst>
+        </p:spPr>
+      </p:pic>
+    </p:spTree>
+    <p:extLst>
+      <p:ext uri="{BB962C8B-B14F-4D97-AF65-F5344CB8AC3E}">
+        <p14:creationId xmlns:p14="http://schemas.microsoft.com/office/powerpoint/2010/main" val="3001889459"/>
+      </p:ext>
+    </p:extLst>
+  </p:cSld>
+  <p:clrMapOvr>
+    <a:masterClrMapping/>
+  </p:clrMapOvr>
+  <p:timing>
+    <p:tnLst>
+      <p:par>
+        <p:cTn id="1" dur="indefinite" restart="never" nodeType="tmRoot"/>
+      </p:par>
+    </p:tnLst>
+  </p:timing>
+</p:sld>
+</file>
+
+<file path=ppt/slides/slide21.xml><?xml version="1.0" encoding="utf-8"?>
+<p:sld xmlns:a="http://schemas.openxmlformats.org/drawingml/2006/main" xmlns:r="http://schemas.openxmlformats.org/officeDocument/2006/relationships" xmlns:p="http://schemas.openxmlformats.org/presentationml/2006/main">
+  <p:cSld>
+    <p:spTree>
+      <p:nvGrpSpPr>
+        <p:cNvPr id="1" name=""/>
+        <p:cNvGrpSpPr/>
+        <p:nvPr/>
+      </p:nvGrpSpPr>
+      <p:grpSpPr>
+        <a:xfrm>
+          <a:off x="0" y="0"/>
+          <a:ext cx="0" cy="0"/>
+          <a:chOff x="0" y="0"/>
+          <a:chExt cx="0" cy="0"/>
+        </a:xfrm>
+      </p:grpSpPr>
+      <p:pic>
+        <p:nvPicPr>
+          <p:cNvPr id="8" name="Picture 7"/>
+          <p:cNvPicPr>
+            <a:picLocks noChangeAspect="1"/>
+          </p:cNvPicPr>
+          <p:nvPr/>
+        </p:nvPicPr>
+        <p:blipFill rotWithShape="1">
+          <a:blip r:embed="rId2">
+            <a:extLst>
+              <a:ext uri="{28A0092B-C50C-407E-A947-70E740481C1C}">
+                <a14:useLocalDpi xmlns:a14="http://schemas.microsoft.com/office/drawing/2010/main" val="0"/>
+              </a:ext>
+            </a:extLst>
+          </a:blip>
+          <a:srcRect r="42077"/>
+          <a:stretch/>
+        </p:blipFill>
+        <p:spPr>
+          <a:xfrm>
+            <a:off x="4518146" y="391064"/>
+            <a:ext cx="4397253" cy="4314286"/>
+          </a:xfrm>
+          <a:prstGeom prst="rect">
+            <a:avLst/>
+          </a:prstGeom>
+        </p:spPr>
+      </p:pic>
+      <p:sp>
+        <p:nvSpPr>
+          <p:cNvPr id="2" name="Title 1"/>
+          <p:cNvSpPr>
+            <a:spLocks noGrp="1"/>
+          </p:cNvSpPr>
+          <p:nvPr>
+            <p:ph type="title"/>
+          </p:nvPr>
+        </p:nvSpPr>
+        <p:spPr>
+          <a:xfrm>
+            <a:off x="457200" y="209550"/>
+            <a:ext cx="8229600" cy="742950"/>
+          </a:xfrm>
+        </p:spPr>
+        <p:txBody>
+          <a:bodyPr>
+            <a:noAutofit/>
+          </a:bodyPr>
+          <a:lstStyle/>
+          <a:p>
+            <a:r>
+              <a:rPr lang="en-US" sz="2800" b="1" dirty="0" smtClean="0"/>
+              <a:t>Do I need to use an IPM?</a:t>
+            </a:r>
+            <a:endParaRPr lang="en-US" sz="2800" b="1" dirty="0"/>
+          </a:p>
+        </p:txBody>
+      </p:sp>
+      <p:sp>
+        <p:nvSpPr>
+          <p:cNvPr id="4" name="Content Placeholder 3"/>
+          <p:cNvSpPr>
+            <a:spLocks noGrp="1"/>
+          </p:cNvSpPr>
+          <p:nvPr>
+            <p:ph sz="quarter" idx="1"/>
+          </p:nvPr>
+        </p:nvSpPr>
+        <p:spPr>
+          <a:xfrm>
+            <a:off x="457200" y="1123950"/>
+            <a:ext cx="4114800" cy="3550920"/>
+          </a:xfrm>
+        </p:spPr>
+        <p:txBody>
+          <a:bodyPr>
+            <a:normAutofit fontScale="92500"/>
+          </a:bodyPr>
+          <a:lstStyle/>
+          <a:p>
+            <a:r>
+              <a:rPr lang="en-US" sz="2400" dirty="0" smtClean="0"/>
+              <a:t>Core assumption = all data are a product of the same underlying population processes</a:t>
+            </a:r>
+          </a:p>
+          <a:p>
+            <a:r>
+              <a:rPr lang="en-US" sz="2400" dirty="0" smtClean="0"/>
+              <a:t>Most useful when:</a:t>
+            </a:r>
+          </a:p>
+          <a:p>
+            <a:pPr lvl="1"/>
+            <a:r>
+              <a:rPr lang="en-US" sz="2100" dirty="0" smtClean="0"/>
+              <a:t>Individual analyses of different data sources give competing results</a:t>
+            </a:r>
+          </a:p>
+          <a:p>
+            <a:pPr lvl="1"/>
+            <a:r>
+              <a:rPr lang="en-US" sz="2100" dirty="0" smtClean="0"/>
+              <a:t>You want to estimate a demographic parameter without data (e.g. immigration rate)</a:t>
+            </a:r>
+          </a:p>
+          <a:p>
+            <a:endParaRPr lang="en-US" sz="2400" b="1" dirty="0" smtClean="0"/>
+          </a:p>
+        </p:txBody>
+      </p:sp>
+      <p:pic>
+        <p:nvPicPr>
+          <p:cNvPr id="7" name="Picture 6"/>
+          <p:cNvPicPr>
+            <a:picLocks noChangeAspect="1"/>
+          </p:cNvPicPr>
+          <p:nvPr/>
+        </p:nvPicPr>
+        <p:blipFill>
+          <a:blip r:embed="rId3" cstate="print">
+            <a:extLst>
+              <a:ext uri="{28A0092B-C50C-407E-A947-70E740481C1C}">
+                <a14:useLocalDpi xmlns:a14="http://schemas.microsoft.com/office/drawing/2010/main" val="0"/>
+              </a:ext>
+            </a:extLst>
+          </a:blip>
+          <a:stretch>
+            <a:fillRect/>
+          </a:stretch>
+        </p:blipFill>
+        <p:spPr>
+          <a:xfrm>
+            <a:off x="7603108" y="190499"/>
+            <a:ext cx="1312292" cy="1638765"/>
+          </a:xfrm>
+          <a:prstGeom prst="rect">
+            <a:avLst/>
+          </a:prstGeom>
+        </p:spPr>
+      </p:pic>
+      <p:sp>
+        <p:nvSpPr>
+          <p:cNvPr id="10" name="5-Point Star 9"/>
+          <p:cNvSpPr/>
+          <p:nvPr/>
+        </p:nvSpPr>
+        <p:spPr>
+          <a:xfrm>
+            <a:off x="7224709" y="2114550"/>
+            <a:ext cx="238125" cy="190500"/>
+          </a:xfrm>
+          <a:prstGeom prst="star5">
+            <a:avLst/>
+          </a:prstGeom>
+          <a:solidFill>
+            <a:srgbClr val="FFFF00"/>
+          </a:solidFill>
+          <a:ln>
+            <a:solidFill>
+              <a:srgbClr val="FFC000"/>
+            </a:solidFill>
+          </a:ln>
+        </p:spPr>
+        <p:style>
+          <a:lnRef idx="2">
+            <a:schemeClr val="accent1">
+              <a:shade val="50000"/>
+            </a:schemeClr>
+          </a:lnRef>
+          <a:fillRef idx="1">
+            <a:schemeClr val="accent1"/>
+          </a:fillRef>
+          <a:effectRef idx="0">
+            <a:schemeClr val="accent1"/>
+          </a:effectRef>
+          <a:fontRef idx="minor">
+            <a:schemeClr val="lt1"/>
+          </a:fontRef>
+        </p:style>
+        <p:txBody>
+          <a:bodyPr rtlCol="0" anchor="ctr"/>
+          <a:lstStyle/>
+          <a:p>
+            <a:pPr algn="ctr"/>
+            <a:endParaRPr lang="en-US"/>
+          </a:p>
+        </p:txBody>
+      </p:sp>
+      <p:sp>
+        <p:nvSpPr>
+          <p:cNvPr id="11" name="5-Point Star 10"/>
+          <p:cNvSpPr/>
+          <p:nvPr/>
+        </p:nvSpPr>
+        <p:spPr>
+          <a:xfrm>
+            <a:off x="6677023" y="2781300"/>
+            <a:ext cx="238125" cy="190500"/>
+          </a:xfrm>
+          <a:prstGeom prst="star5">
+            <a:avLst/>
+          </a:prstGeom>
+          <a:solidFill>
+            <a:srgbClr val="FFFF00"/>
+          </a:solidFill>
+          <a:ln>
+            <a:solidFill>
+              <a:srgbClr val="FFC000"/>
+            </a:solidFill>
+          </a:ln>
+        </p:spPr>
+        <p:style>
+          <a:lnRef idx="2">
+            <a:schemeClr val="accent1">
+              <a:shade val="50000"/>
+            </a:schemeClr>
+          </a:lnRef>
+          <a:fillRef idx="1">
+            <a:schemeClr val="accent1"/>
+          </a:fillRef>
+          <a:effectRef idx="0">
+            <a:schemeClr val="accent1"/>
+          </a:effectRef>
+          <a:fontRef idx="minor">
+            <a:schemeClr val="lt1"/>
+          </a:fontRef>
+        </p:style>
+        <p:txBody>
+          <a:bodyPr rtlCol="0" anchor="ctr"/>
+          <a:lstStyle/>
+          <a:p>
+            <a:pPr algn="ctr"/>
+            <a:endParaRPr lang="en-US"/>
+          </a:p>
+        </p:txBody>
+      </p:sp>
+    </p:spTree>
+    <p:extLst>
+      <p:ext uri="{BB962C8B-B14F-4D97-AF65-F5344CB8AC3E}">
+        <p14:creationId xmlns:p14="http://schemas.microsoft.com/office/powerpoint/2010/main" val="1767467264"/>
+      </p:ext>
+    </p:extLst>
+  </p:cSld>
+  <p:clrMapOvr>
+    <a:masterClrMapping/>
+  </p:clrMapOvr>
+  <p:timing>
+    <p:tnLst>
+      <p:par>
+        <p:cTn id="1" dur="indefinite" restart="never" nodeType="tmRoot">
+          <p:childTnLst>
+            <p:seq concurrent="1" nextAc="seek">
+              <p:cTn id="2" dur="indefinite" nodeType="mainSeq">
+                <p:childTnLst>
+                  <p:par>
+                    <p:cTn id="3" fill="hold">
+                      <p:stCondLst>
+                        <p:cond delay="indefinite"/>
+                      </p:stCondLst>
+                      <p:childTnLst>
+                        <p:par>
+                          <p:cTn id="4" fill="hold">
+                            <p:stCondLst>
+                              <p:cond delay="0"/>
+                            </p:stCondLst>
+                            <p:childTnLst>
+                              <p:par>
+                                <p:cTn id="5" presetID="1" presetClass="entr" presetSubtype="0" fill="hold" grpId="0" nodeType="clickEffect">
+                                  <p:stCondLst>
+                                    <p:cond delay="0"/>
+                                  </p:stCondLst>
+                                  <p:childTnLst>
+                                    <p:set>
+                                      <p:cBhvr>
+                                        <p:cTn id="6" dur="1" fill="hold">
+                                          <p:stCondLst>
+                                            <p:cond delay="0"/>
+                                          </p:stCondLst>
+                                        </p:cTn>
+                                        <p:tgtEl>
+                                          <p:spTgt spid="10"/>
+                                        </p:tgtEl>
+                                        <p:attrNameLst>
+                                          <p:attrName>style.visibility</p:attrName>
+                                        </p:attrNameLst>
+                                      </p:cBhvr>
+                                      <p:to>
+                                        <p:strVal val="visible"/>
+                                      </p:to>
+                                    </p:set>
+                                  </p:childTnLst>
+                                </p:cTn>
+                              </p:par>
+                              <p:par>
+                                <p:cTn id="7" presetID="1" presetClass="entr" presetSubtype="0" fill="hold" grpId="0" nodeType="withEffect">
+                                  <p:stCondLst>
+                                    <p:cond delay="0"/>
+                                  </p:stCondLst>
+                                  <p:childTnLst>
+                                    <p:set>
+                                      <p:cBhvr>
+                                        <p:cTn id="8" dur="1" fill="hold">
+                                          <p:stCondLst>
+                                            <p:cond delay="0"/>
+                                          </p:stCondLst>
+                                        </p:cTn>
+                                        <p:tgtEl>
+                                          <p:spTgt spid="11"/>
+                                        </p:tgtEl>
+                                        <p:attrNameLst>
+                                          <p:attrName>style.visibility</p:attrName>
+                                        </p:attrNameLst>
+                                      </p:cBhvr>
+                                      <p:to>
+                                        <p:strVal val="visible"/>
+                                      </p:to>
+                                    </p:set>
+                                  </p:childTnLst>
+                                </p:cTn>
+                              </p:par>
+                            </p:childTnLst>
+                          </p:cTn>
+                        </p:par>
+                      </p:childTnLst>
+                    </p:cTn>
+                  </p:par>
+                  <p:par>
+                    <p:cTn id="9" fill="hold">
+                      <p:stCondLst>
+                        <p:cond delay="indefinite"/>
+                      </p:stCondLst>
+                      <p:childTnLst>
+                        <p:par>
+                          <p:cTn id="10" fill="hold">
+                            <p:stCondLst>
+                              <p:cond delay="0"/>
+                            </p:stCondLst>
+                            <p:childTnLst>
+                              <p:par>
+                                <p:cTn id="11" presetID="1" presetClass="entr" presetSubtype="0" fill="hold" grpId="0" nodeType="clickEffect">
+                                  <p:stCondLst>
+                                    <p:cond delay="0"/>
+                                  </p:stCondLst>
+                                  <p:childTnLst>
+                                    <p:set>
+                                      <p:cBhvr>
+                                        <p:cTn id="12" dur="1" fill="hold">
+                                          <p:stCondLst>
+                                            <p:cond delay="0"/>
+                                          </p:stCondLst>
+                                        </p:cTn>
+                                        <p:tgtEl>
+                                          <p:spTgt spid="4">
+                                            <p:txEl>
+                                              <p:pRg st="1" end="1"/>
+                                            </p:txEl>
+                                          </p:spTgt>
+                                        </p:tgtEl>
+                                        <p:attrNameLst>
+                                          <p:attrName>style.visibility</p:attrName>
+                                        </p:attrNameLst>
+                                      </p:cBhvr>
+                                      <p:to>
+                                        <p:strVal val="visible"/>
+                                      </p:to>
+                                    </p:set>
+                                  </p:childTnLst>
+                                </p:cTn>
+                              </p:par>
+                              <p:par>
+                                <p:cTn id="13" presetID="1" presetClass="entr" presetSubtype="0" fill="hold" grpId="0" nodeType="withEffect">
+                                  <p:stCondLst>
+                                    <p:cond delay="0"/>
+                                  </p:stCondLst>
+                                  <p:childTnLst>
+                                    <p:set>
+                                      <p:cBhvr>
+                                        <p:cTn id="14" dur="1" fill="hold">
+                                          <p:stCondLst>
+                                            <p:cond delay="0"/>
+                                          </p:stCondLst>
+                                        </p:cTn>
+                                        <p:tgtEl>
+                                          <p:spTgt spid="4">
+                                            <p:txEl>
+                                              <p:pRg st="2" end="2"/>
+                                            </p:txEl>
+                                          </p:spTgt>
+                                        </p:tgtEl>
+                                        <p:attrNameLst>
+                                          <p:attrName>style.visibility</p:attrName>
+                                        </p:attrNameLst>
+                                      </p:cBhvr>
+                                      <p:to>
+                                        <p:strVal val="visible"/>
+                                      </p:to>
+                                    </p:set>
+                                  </p:childTnLst>
+                                </p:cTn>
+                              </p:par>
+                              <p:par>
+                                <p:cTn id="15" presetID="1" presetClass="entr" presetSubtype="0" fill="hold" grpId="0" nodeType="withEffect">
+                                  <p:stCondLst>
+                                    <p:cond delay="0"/>
+                                  </p:stCondLst>
+                                  <p:childTnLst>
+                                    <p:set>
+                                      <p:cBhvr>
+                                        <p:cTn id="16" dur="1" fill="hold">
+                                          <p:stCondLst>
+                                            <p:cond delay="0"/>
+                                          </p:stCondLst>
+                                        </p:cTn>
+                                        <p:tgtEl>
+                                          <p:spTgt spid="4">
+                                            <p:txEl>
+                                              <p:pRg st="3" end="3"/>
+                                            </p:txEl>
+                                          </p:spTgt>
+                                        </p:tgtEl>
+                                        <p:attrNameLst>
+                                          <p:attrName>style.visibility</p:attrName>
+                                        </p:attrNameLst>
+                                      </p:cBhvr>
+                                      <p:to>
+                                        <p:strVal val="visible"/>
+                                      </p:to>
+                                    </p:set>
+                                  </p:childTnLst>
+                                </p:cTn>
+                              </p:par>
+                            </p:childTnLst>
+                          </p:cTn>
+                        </p:par>
+                      </p:childTnLst>
+                    </p:cTn>
+                  </p:par>
+                </p:childTnLst>
+              </p:cTn>
+              <p:prevCondLst>
+                <p:cond evt="onPrev" delay="0">
+                  <p:tgtEl>
+                    <p:sldTgt/>
+                  </p:tgtEl>
+                </p:cond>
+              </p:prevCondLst>
+              <p:nextCondLst>
+                <p:cond evt="onNext" delay="0">
+                  <p:tgtEl>
+                    <p:sldTgt/>
+                  </p:tgtEl>
+                </p:cond>
+              </p:nextCondLst>
+            </p:seq>
+          </p:childTnLst>
+        </p:cTn>
+      </p:par>
+    </p:tnLst>
+    <p:bldLst>
+      <p:bldP spid="4" grpId="0" uiExpand="1" build="p"/>
+      <p:bldP spid="10" grpId="0" animBg="1"/>
+      <p:bldP spid="11" grpId="0" animBg="1"/>
+    </p:bldLst>
   </p:timing>
 </p:sld>
 </file>
@@ -9842,7 +13192,7 @@
           <a:p>
             <a:r>
               <a:rPr lang="en-US" sz="3200" dirty="0" smtClean="0"/>
-              <a:t>Estimating productivity</a:t>
+              <a:t>Estimating fecundity</a:t>
             </a:r>
             <a:endParaRPr lang="en-US" sz="3200" dirty="0"/>
           </a:p>
@@ -9866,7 +13216,7 @@
         </p:spPr>
         <p:txBody>
           <a:bodyPr>
-            <a:normAutofit fontScale="92500" lnSpcReduction="20000"/>
+            <a:normAutofit/>
           </a:bodyPr>
           <a:lstStyle/>
           <a:p>
@@ -9895,19 +13245,6 @@
             </a:r>
           </a:p>
           <a:p>
-            <a:endParaRPr lang="en-US" sz="2400" dirty="0"/>
-          </a:p>
-          <a:p>
-            <a:r>
-              <a:rPr lang="en-US" sz="2400" dirty="0" smtClean="0"/>
-              <a:t>How many offspring produced per female?</a:t>
-            </a:r>
-          </a:p>
-          <a:p>
-            <a:r>
-              <a:rPr lang="en-US" sz="2400" dirty="0" smtClean="0"/>
-              <a:t>What is the probability of breeding success?</a:t>
-            </a:r>
             <a:endParaRPr lang="en-US" sz="2400" dirty="0"/>
           </a:p>
         </p:txBody>
@@ -9961,16 +13298,14 @@
         </p:nvSpPr>
         <p:spPr/>
         <p:txBody>
-          <a:bodyPr>
-            <a:normAutofit/>
-          </a:bodyPr>
+          <a:bodyPr/>
           <a:lstStyle/>
           <a:p>
             <a:r>
-              <a:rPr lang="en-US" sz="3200" dirty="0" smtClean="0"/>
-              <a:t>Estimating survival/mortality</a:t>
-            </a:r>
-            <a:endParaRPr lang="en-US" sz="3200" dirty="0"/>
+              <a:rPr lang="en-US" dirty="0" smtClean="0"/>
+              <a:t>GLMs to estimate fecundity	</a:t>
+            </a:r>
+            <a:endParaRPr lang="en-US" dirty="0"/>
           </a:p>
         </p:txBody>
       </p:sp>
@@ -9987,54 +13322,32 @@
         <p:spPr/>
         <p:txBody>
           <a:bodyPr>
-            <a:normAutofit fontScale="92500" lnSpcReduction="10000"/>
+            <a:normAutofit/>
           </a:bodyPr>
           <a:lstStyle/>
           <a:p>
             <a:r>
               <a:rPr lang="en-US" sz="2400" dirty="0" smtClean="0"/>
-              <a:t>Radio telemetry </a:t>
-            </a:r>
-            <a:r>
-              <a:rPr lang="en-US" sz="2400" dirty="0" smtClean="0">
-                <a:sym typeface="Wingdings" panose="05000000000000000000" pitchFamily="2" charset="2"/>
-              </a:rPr>
-              <a:t> known fate models</a:t>
+              <a:t>Include ecological covariates to determine important drivers of breeding success</a:t>
+            </a:r>
+          </a:p>
+          <a:p>
+            <a:r>
+              <a:rPr lang="en-US" sz="2400" dirty="0" smtClean="0"/>
+              <a:t>Type of GLM depends on response variable</a:t>
             </a:r>
           </a:p>
           <a:p>
             <a:pPr lvl="1"/>
+            <a:r>
+              <a:rPr lang="en-US" sz="2000" dirty="0" smtClean="0"/>
+              <a:t>Number of offspring per female </a:t>
+            </a:r>
             <a:r>
               <a:rPr lang="en-US" sz="2000" dirty="0" smtClean="0">
                 <a:sym typeface="Wingdings" panose="05000000000000000000" pitchFamily="2" charset="2"/>
               </a:rPr>
-              <a:t>Assume perfect detection of individuals</a:t>
-            </a:r>
-          </a:p>
-          <a:p>
-            <a:pPr lvl="1"/>
-            <a:endParaRPr lang="en-US" sz="2000" dirty="0" smtClean="0">
-              <a:sym typeface="Wingdings" panose="05000000000000000000" pitchFamily="2" charset="2"/>
-            </a:endParaRPr>
-          </a:p>
-          <a:p>
-            <a:r>
-              <a:rPr lang="en-US" sz="2400" dirty="0" smtClean="0">
-                <a:sym typeface="Wingdings" panose="05000000000000000000" pitchFamily="2" charset="2"/>
-              </a:rPr>
-              <a:t>Individual capture-mark-recapture  Cormack-Jolly-</a:t>
-            </a:r>
-            <a:r>
-              <a:rPr lang="en-US" sz="2400" dirty="0" err="1" smtClean="0">
-                <a:sym typeface="Wingdings" panose="05000000000000000000" pitchFamily="2" charset="2"/>
-              </a:rPr>
-              <a:t>Seber</a:t>
-            </a:r>
-            <a:r>
-              <a:rPr lang="en-US" sz="2400" dirty="0" smtClean="0">
-                <a:sym typeface="Wingdings" panose="05000000000000000000" pitchFamily="2" charset="2"/>
-              </a:rPr>
-              <a:t> (CJS) models</a:t>
+              <a:t> Poisson GLM</a:t>
             </a:r>
           </a:p>
           <a:p>
@@ -10043,72 +13356,108 @@
               <a:rPr lang="en-US" sz="2000" dirty="0" smtClean="0">
                 <a:sym typeface="Wingdings" panose="05000000000000000000" pitchFamily="2" charset="2"/>
               </a:rPr>
-              <a:t> Data can come from a variety of sampling methods</a:t>
-            </a:r>
-          </a:p>
-          <a:p>
-            <a:pPr lvl="2"/>
-            <a:r>
-              <a:rPr lang="en-US" sz="1800" dirty="0" smtClean="0">
-                <a:sym typeface="Wingdings" panose="05000000000000000000" pitchFamily="2" charset="2"/>
-              </a:rPr>
-              <a:t>Physical recapture (trapping array)</a:t>
-            </a:r>
-          </a:p>
-          <a:p>
-            <a:pPr lvl="2"/>
-            <a:r>
-              <a:rPr lang="en-US" sz="1800" dirty="0" smtClean="0">
-                <a:sym typeface="Wingdings" panose="05000000000000000000" pitchFamily="2" charset="2"/>
-              </a:rPr>
-              <a:t>Photographic re-encounter (camera traps)</a:t>
-            </a:r>
-          </a:p>
-          <a:p>
-            <a:pPr lvl="2"/>
-            <a:r>
-              <a:rPr lang="en-US" sz="1800" dirty="0" smtClean="0">
-                <a:sym typeface="Wingdings" panose="05000000000000000000" pitchFamily="2" charset="2"/>
-              </a:rPr>
-              <a:t>Re-sightings (field-readable tags, individually-identifiable marks)</a:t>
-            </a:r>
-          </a:p>
-          <a:p>
-            <a:pPr lvl="2"/>
-            <a:r>
-              <a:rPr lang="en-US" sz="1800" dirty="0" smtClean="0">
-                <a:sym typeface="Wingdings" panose="05000000000000000000" pitchFamily="2" charset="2"/>
-              </a:rPr>
-              <a:t>Noninvasive genetic sampling (hair snares, scat collection)</a:t>
-            </a:r>
-          </a:p>
-          <a:p>
-            <a:pPr lvl="1"/>
-            <a:r>
-              <a:rPr lang="en-US" sz="2000" dirty="0" smtClean="0">
-                <a:sym typeface="Wingdings" panose="05000000000000000000" pitchFamily="2" charset="2"/>
-              </a:rPr>
-              <a:t>Assume </a:t>
-            </a:r>
-            <a:r>
-              <a:rPr lang="en-US" sz="2000" b="1" dirty="0" smtClean="0">
-                <a:sym typeface="Wingdings" panose="05000000000000000000" pitchFamily="2" charset="2"/>
-              </a:rPr>
-              <a:t>imperfect detection </a:t>
-            </a:r>
-            <a:r>
-              <a:rPr lang="en-US" sz="2000" dirty="0" smtClean="0">
-                <a:sym typeface="Wingdings" panose="05000000000000000000" pitchFamily="2" charset="2"/>
-              </a:rPr>
-              <a:t>of individuals</a:t>
-            </a:r>
+              <a:t>Successful breeding (yes/no)  Binomial GLM </a:t>
+            </a:r>
+            <a:endParaRPr lang="en-US" sz="2000" dirty="0"/>
+          </a:p>
+        </p:txBody>
+      </p:sp>
+      <p:sp>
+        <p:nvSpPr>
+          <p:cNvPr id="4" name="Rectangle 3"/>
+          <p:cNvSpPr/>
+          <p:nvPr/>
+        </p:nvSpPr>
+        <p:spPr>
+          <a:xfrm>
+            <a:off x="4724400" y="2190750"/>
+            <a:ext cx="1447800" cy="381000"/>
+          </a:xfrm>
+          <a:prstGeom prst="rect">
+            <a:avLst/>
+          </a:prstGeom>
+          <a:solidFill>
+            <a:schemeClr val="bg1"/>
+          </a:solidFill>
+          <a:ln>
+            <a:noFill/>
+          </a:ln>
+        </p:spPr>
+        <p:style>
+          <a:lnRef idx="2">
+            <a:schemeClr val="accent1">
+              <a:shade val="50000"/>
+            </a:schemeClr>
+          </a:lnRef>
+          <a:fillRef idx="1">
+            <a:schemeClr val="accent1"/>
+          </a:fillRef>
+          <a:effectRef idx="0">
+            <a:schemeClr val="accent1"/>
+          </a:effectRef>
+          <a:fontRef idx="minor">
+            <a:schemeClr val="lt1"/>
+          </a:fontRef>
+        </p:style>
+        <p:txBody>
+          <a:bodyPr rtlCol="0" anchor="ctr"/>
+          <a:lstStyle/>
+          <a:p>
+            <a:pPr algn="ctr"/>
+            <a:endParaRPr lang="en-US"/>
+          </a:p>
+        </p:txBody>
+      </p:sp>
+      <p:sp>
+        <p:nvSpPr>
+          <p:cNvPr id="5" name="Rectangle 4"/>
+          <p:cNvSpPr/>
+          <p:nvPr/>
+        </p:nvSpPr>
+        <p:spPr>
+          <a:xfrm>
+            <a:off x="4419600" y="2571750"/>
+            <a:ext cx="1447800" cy="381000"/>
+          </a:xfrm>
+          <a:prstGeom prst="rect">
+            <a:avLst/>
+          </a:prstGeom>
+          <a:solidFill>
+            <a:schemeClr val="bg1"/>
+          </a:solidFill>
+          <a:ln>
+            <a:noFill/>
+          </a:ln>
+        </p:spPr>
+        <p:style>
+          <a:lnRef idx="2">
+            <a:schemeClr val="accent1">
+              <a:shade val="50000"/>
+            </a:schemeClr>
+          </a:lnRef>
+          <a:fillRef idx="1">
+            <a:schemeClr val="accent1"/>
+          </a:fillRef>
+          <a:effectRef idx="0">
+            <a:schemeClr val="accent1"/>
+          </a:effectRef>
+          <a:fontRef idx="minor">
+            <a:schemeClr val="lt1"/>
+          </a:fontRef>
+        </p:style>
+        <p:txBody>
+          <a:bodyPr rtlCol="0" anchor="ctr"/>
+          <a:lstStyle/>
+          <a:p>
+            <a:pPr algn="ctr"/>
+            <a:endParaRPr lang="en-US"/>
           </a:p>
         </p:txBody>
       </p:sp>
     </p:spTree>
     <p:extLst>
       <p:ext uri="{BB962C8B-B14F-4D97-AF65-F5344CB8AC3E}">
-        <p14:creationId xmlns:p14="http://schemas.microsoft.com/office/powerpoint/2010/main" val="887543709"/>
+        <p14:creationId xmlns:p14="http://schemas.microsoft.com/office/powerpoint/2010/main" val="3417956492"/>
       </p:ext>
     </p:extLst>
   </p:cSld>
@@ -10118,9 +13467,126 @@
   <p:timing>
     <p:tnLst>
       <p:par>
-        <p:cTn id="1" dur="indefinite" restart="never" nodeType="tmRoot"/>
+        <p:cTn id="1" dur="indefinite" restart="never" nodeType="tmRoot">
+          <p:childTnLst>
+            <p:seq concurrent="1" nextAc="seek">
+              <p:cTn id="2" dur="indefinite" nodeType="mainSeq">
+                <p:childTnLst>
+                  <p:par>
+                    <p:cTn id="3" fill="hold">
+                      <p:stCondLst>
+                        <p:cond delay="indefinite"/>
+                      </p:stCondLst>
+                      <p:childTnLst>
+                        <p:par>
+                          <p:cTn id="4" fill="hold">
+                            <p:stCondLst>
+                              <p:cond delay="0"/>
+                            </p:stCondLst>
+                            <p:childTnLst>
+                              <p:par>
+                                <p:cTn id="5" presetID="1" presetClass="exit" presetSubtype="0" fill="hold" grpId="0" nodeType="clickEffect">
+                                  <p:stCondLst>
+                                    <p:cond delay="0"/>
+                                  </p:stCondLst>
+                                  <p:childTnLst>
+                                    <p:set>
+                                      <p:cBhvr>
+                                        <p:cTn id="6" dur="1" fill="hold">
+                                          <p:stCondLst>
+                                            <p:cond delay="0"/>
+                                          </p:stCondLst>
+                                        </p:cTn>
+                                        <p:tgtEl>
+                                          <p:spTgt spid="4"/>
+                                        </p:tgtEl>
+                                        <p:attrNameLst>
+                                          <p:attrName>style.visibility</p:attrName>
+                                        </p:attrNameLst>
+                                      </p:cBhvr>
+                                      <p:to>
+                                        <p:strVal val="hidden"/>
+                                      </p:to>
+                                    </p:set>
+                                  </p:childTnLst>
+                                </p:cTn>
+                              </p:par>
+                            </p:childTnLst>
+                          </p:cTn>
+                        </p:par>
+                      </p:childTnLst>
+                    </p:cTn>
+                  </p:par>
+                  <p:par>
+                    <p:cTn id="7" fill="hold">
+                      <p:stCondLst>
+                        <p:cond delay="indefinite"/>
+                      </p:stCondLst>
+                      <p:childTnLst>
+                        <p:par>
+                          <p:cTn id="8" fill="hold">
+                            <p:stCondLst>
+                              <p:cond delay="0"/>
+                            </p:stCondLst>
+                            <p:childTnLst>
+                              <p:par>
+                                <p:cTn id="9" presetID="1" presetClass="exit" presetSubtype="0" fill="hold" grpId="0" nodeType="clickEffect">
+                                  <p:stCondLst>
+                                    <p:cond delay="0"/>
+                                  </p:stCondLst>
+                                  <p:childTnLst>
+                                    <p:set>
+                                      <p:cBhvr>
+                                        <p:cTn id="10" dur="1" fill="hold">
+                                          <p:stCondLst>
+                                            <p:cond delay="0"/>
+                                          </p:stCondLst>
+                                        </p:cTn>
+                                        <p:tgtEl>
+                                          <p:spTgt spid="5"/>
+                                        </p:tgtEl>
+                                        <p:attrNameLst>
+                                          <p:attrName>style.visibility</p:attrName>
+                                        </p:attrNameLst>
+                                      </p:cBhvr>
+                                      <p:to>
+                                        <p:strVal val="hidden"/>
+                                      </p:to>
+                                    </p:set>
+                                  </p:childTnLst>
+                                </p:cTn>
+                              </p:par>
+                            </p:childTnLst>
+                          </p:cTn>
+                        </p:par>
+                      </p:childTnLst>
+                    </p:cTn>
+                  </p:par>
+                </p:childTnLst>
+              </p:cTn>
+              <p:prevCondLst>
+                <p:cond evt="onPrev" delay="0">
+                  <p:tgtEl>
+                    <p:sldTgt/>
+                  </p:tgtEl>
+                </p:cond>
+              </p:prevCondLst>
+              <p:nextCondLst>
+                <p:cond evt="onNext" delay="0">
+                  <p:tgtEl>
+                    <p:sldTgt/>
+                  </p:tgtEl>
+                </p:cond>
+              </p:nextCondLst>
+            </p:seq>
+          </p:childTnLst>
+        </p:cTn>
       </p:par>
     </p:tnLst>
+    <p:bldLst>
+      <p:bldP spid="4" grpId="0" animBg="1"/>
+      <p:bldP spid="5" grpId="0" animBg="1"/>
+    </p:bldLst>
   </p:timing>
 </p:sld>
 </file>
@@ -10154,14 +13620,16 @@
         </p:nvSpPr>
         <p:spPr/>
         <p:txBody>
-          <a:bodyPr/>
+          <a:bodyPr>
+            <a:normAutofit/>
+          </a:bodyPr>
           <a:lstStyle/>
           <a:p>
             <a:r>
-              <a:rPr lang="en-US" dirty="0" smtClean="0"/>
-              <a:t>Matrix models for age- or stage-structure</a:t>
-            </a:r>
-            <a:endParaRPr lang="en-US" dirty="0"/>
+              <a:rPr lang="en-US" sz="3200" dirty="0" smtClean="0"/>
+              <a:t>Estimating survival/mortality</a:t>
+            </a:r>
+            <a:endParaRPr lang="en-US" sz="3200" dirty="0"/>
           </a:p>
         </p:txBody>
       </p:sp>
@@ -10175,278 +13643,131 @@
             <p:ph sz="quarter" idx="1"/>
           </p:nvPr>
         </p:nvSpPr>
-        <p:spPr>
-          <a:xfrm>
-            <a:off x="457200" y="914400"/>
-            <a:ext cx="8229600" cy="1657350"/>
-          </a:xfrm>
-        </p:spPr>
+        <p:spPr/>
         <p:txBody>
           <a:bodyPr>
-            <a:normAutofit/>
+            <a:normAutofit fontScale="92500" lnSpcReduction="10000"/>
           </a:bodyPr>
           <a:lstStyle/>
           <a:p>
             <a:r>
-              <a:rPr lang="en-US" dirty="0" smtClean="0"/>
-              <a:t>When vital rates vary by age or stage (e.g. size), matrix models are used to present and analyze demographics</a:t>
+              <a:rPr lang="en-US" sz="2400" dirty="0" smtClean="0"/>
+              <a:t>Radio telemetry </a:t>
+            </a:r>
+            <a:r>
+              <a:rPr lang="en-US" sz="2400" dirty="0" smtClean="0">
+                <a:sym typeface="Wingdings" panose="05000000000000000000" pitchFamily="2" charset="2"/>
+              </a:rPr>
+              <a:t> known fate models</a:t>
             </a:r>
           </a:p>
           <a:p>
             <a:pPr lvl="1"/>
             <a:r>
-              <a:rPr lang="en-US" dirty="0" smtClean="0"/>
-              <a:t>Individuals always advance linearly through stages (they can’t shrink or become younger)</a:t>
+              <a:rPr lang="en-US" sz="2000" dirty="0" smtClean="0">
+                <a:sym typeface="Wingdings" panose="05000000000000000000" pitchFamily="2" charset="2"/>
+              </a:rPr>
+              <a:t>Assume perfect detection of individuals</a:t>
+            </a:r>
+          </a:p>
+          <a:p>
+            <a:pPr lvl="1"/>
+            <a:endParaRPr lang="en-US" sz="2000" dirty="0" smtClean="0">
+              <a:sym typeface="Wingdings" panose="05000000000000000000" pitchFamily="2" charset="2"/>
+            </a:endParaRPr>
+          </a:p>
+          <a:p>
+            <a:r>
+              <a:rPr lang="en-US" sz="2400" dirty="0" smtClean="0">
+                <a:sym typeface="Wingdings" panose="05000000000000000000" pitchFamily="2" charset="2"/>
+              </a:rPr>
+              <a:t>Individual capture-mark-recapture  Cormack-Jolly-</a:t>
+            </a:r>
+            <a:r>
+              <a:rPr lang="en-US" sz="2400" dirty="0" err="1" smtClean="0">
+                <a:sym typeface="Wingdings" panose="05000000000000000000" pitchFamily="2" charset="2"/>
+              </a:rPr>
+              <a:t>Seber</a:t>
+            </a:r>
+            <a:r>
+              <a:rPr lang="en-US" sz="2400" dirty="0" smtClean="0">
+                <a:sym typeface="Wingdings" panose="05000000000000000000" pitchFamily="2" charset="2"/>
+              </a:rPr>
+              <a:t> (CJS) models</a:t>
+            </a:r>
+          </a:p>
+          <a:p>
+            <a:pPr lvl="1"/>
+            <a:r>
+              <a:rPr lang="en-US" sz="2000" dirty="0" smtClean="0">
+                <a:sym typeface="Wingdings" panose="05000000000000000000" pitchFamily="2" charset="2"/>
+              </a:rPr>
+              <a:t> Data can come from a variety of sampling methods</a:t>
+            </a:r>
+          </a:p>
+          <a:p>
+            <a:pPr lvl="2"/>
+            <a:r>
+              <a:rPr lang="en-US" sz="1800" dirty="0" smtClean="0">
+                <a:sym typeface="Wingdings" panose="05000000000000000000" pitchFamily="2" charset="2"/>
+              </a:rPr>
+              <a:t>Physical recapture (trapping array)</a:t>
+            </a:r>
+          </a:p>
+          <a:p>
+            <a:pPr lvl="2"/>
+            <a:r>
+              <a:rPr lang="en-US" sz="1800" dirty="0" smtClean="0">
+                <a:sym typeface="Wingdings" panose="05000000000000000000" pitchFamily="2" charset="2"/>
+              </a:rPr>
+              <a:t>Photographic re-encounter (camera traps)</a:t>
+            </a:r>
+          </a:p>
+          <a:p>
+            <a:pPr lvl="2"/>
+            <a:r>
+              <a:rPr lang="en-US" sz="1800" dirty="0" smtClean="0">
+                <a:sym typeface="Wingdings" panose="05000000000000000000" pitchFamily="2" charset="2"/>
+              </a:rPr>
+              <a:t>Re-sightings (field-readable tags, individually-identifiable marks)</a:t>
+            </a:r>
+          </a:p>
+          <a:p>
+            <a:pPr lvl="2"/>
+            <a:r>
+              <a:rPr lang="en-US" sz="1800" dirty="0" smtClean="0">
+                <a:sym typeface="Wingdings" panose="05000000000000000000" pitchFamily="2" charset="2"/>
+              </a:rPr>
+              <a:t>Noninvasive genetic sampling (hair snares, scat collection)</a:t>
+            </a:r>
+          </a:p>
+          <a:p>
+            <a:pPr lvl="1"/>
+            <a:r>
+              <a:rPr lang="en-US" sz="2000" dirty="0" smtClean="0">
+                <a:sym typeface="Wingdings" panose="05000000000000000000" pitchFamily="2" charset="2"/>
+              </a:rPr>
+              <a:t>Assume </a:t>
+            </a:r>
+            <a:r>
+              <a:rPr lang="en-US" sz="2000" b="1" dirty="0" smtClean="0">
+                <a:sym typeface="Wingdings" panose="05000000000000000000" pitchFamily="2" charset="2"/>
+              </a:rPr>
+              <a:t>imperfect detection </a:t>
+            </a:r>
+            <a:r>
+              <a:rPr lang="en-US" sz="2000" dirty="0" smtClean="0">
+                <a:sym typeface="Wingdings" panose="05000000000000000000" pitchFamily="2" charset="2"/>
+              </a:rPr>
+              <a:t>of individuals</a:t>
             </a:r>
           </a:p>
         </p:txBody>
       </p:sp>
-      <p:sp>
-        <p:nvSpPr>
-          <p:cNvPr id="4" name="Oval 3"/>
-          <p:cNvSpPr/>
-          <p:nvPr/>
-        </p:nvSpPr>
-        <p:spPr>
-          <a:xfrm>
-            <a:off x="1447800" y="3181350"/>
-            <a:ext cx="1371600" cy="990600"/>
-          </a:xfrm>
-          <a:prstGeom prst="ellipse">
-            <a:avLst/>
-          </a:prstGeom>
-        </p:spPr>
-        <p:style>
-          <a:lnRef idx="2">
-            <a:schemeClr val="accent1">
-              <a:shade val="50000"/>
-            </a:schemeClr>
-          </a:lnRef>
-          <a:fillRef idx="1">
-            <a:schemeClr val="accent1"/>
-          </a:fillRef>
-          <a:effectRef idx="0">
-            <a:schemeClr val="accent1"/>
-          </a:effectRef>
-          <a:fontRef idx="minor">
-            <a:schemeClr val="lt1"/>
-          </a:fontRef>
-        </p:style>
-        <p:txBody>
-          <a:bodyPr rtlCol="0" anchor="ctr"/>
-          <a:lstStyle/>
-          <a:p>
-            <a:pPr algn="ctr"/>
-            <a:r>
-              <a:rPr lang="en-US" dirty="0" smtClean="0"/>
-              <a:t>Young of the year</a:t>
-            </a:r>
-            <a:endParaRPr lang="en-US" dirty="0"/>
-          </a:p>
-        </p:txBody>
-      </p:sp>
-      <p:sp>
-        <p:nvSpPr>
-          <p:cNvPr id="5" name="Oval 4"/>
-          <p:cNvSpPr/>
-          <p:nvPr/>
-        </p:nvSpPr>
-        <p:spPr>
-          <a:xfrm>
-            <a:off x="3886200" y="3181350"/>
-            <a:ext cx="1371600" cy="990600"/>
-          </a:xfrm>
-          <a:prstGeom prst="ellipse">
-            <a:avLst/>
-          </a:prstGeom>
-        </p:spPr>
-        <p:style>
-          <a:lnRef idx="2">
-            <a:schemeClr val="accent1">
-              <a:shade val="50000"/>
-            </a:schemeClr>
-          </a:lnRef>
-          <a:fillRef idx="1">
-            <a:schemeClr val="accent1"/>
-          </a:fillRef>
-          <a:effectRef idx="0">
-            <a:schemeClr val="accent1"/>
-          </a:effectRef>
-          <a:fontRef idx="minor">
-            <a:schemeClr val="lt1"/>
-          </a:fontRef>
-        </p:style>
-        <p:txBody>
-          <a:bodyPr rtlCol="0" anchor="ctr"/>
-          <a:lstStyle/>
-          <a:p>
-            <a:pPr algn="ctr"/>
-            <a:r>
-              <a:rPr lang="en-US" dirty="0" smtClean="0"/>
-              <a:t>Juveniles</a:t>
-            </a:r>
-            <a:endParaRPr lang="en-US" dirty="0"/>
-          </a:p>
-        </p:txBody>
-      </p:sp>
-      <p:sp>
-        <p:nvSpPr>
-          <p:cNvPr id="6" name="Oval 5"/>
-          <p:cNvSpPr/>
-          <p:nvPr/>
-        </p:nvSpPr>
-        <p:spPr>
-          <a:xfrm>
-            <a:off x="6438900" y="3181350"/>
-            <a:ext cx="1371600" cy="990600"/>
-          </a:xfrm>
-          <a:prstGeom prst="ellipse">
-            <a:avLst/>
-          </a:prstGeom>
-        </p:spPr>
-        <p:style>
-          <a:lnRef idx="2">
-            <a:schemeClr val="accent1">
-              <a:shade val="50000"/>
-            </a:schemeClr>
-          </a:lnRef>
-          <a:fillRef idx="1">
-            <a:schemeClr val="accent1"/>
-          </a:fillRef>
-          <a:effectRef idx="0">
-            <a:schemeClr val="accent1"/>
-          </a:effectRef>
-          <a:fontRef idx="minor">
-            <a:schemeClr val="lt1"/>
-          </a:fontRef>
-        </p:style>
-        <p:txBody>
-          <a:bodyPr rtlCol="0" anchor="ctr"/>
-          <a:lstStyle/>
-          <a:p>
-            <a:pPr algn="ctr"/>
-            <a:r>
-              <a:rPr lang="en-US" dirty="0" smtClean="0"/>
-              <a:t>Adults</a:t>
-            </a:r>
-            <a:endParaRPr lang="en-US" dirty="0"/>
-          </a:p>
-        </p:txBody>
-      </p:sp>
-      <p:cxnSp>
-        <p:nvCxnSpPr>
-          <p:cNvPr id="8" name="Straight Arrow Connector 7"/>
-          <p:cNvCxnSpPr>
-            <a:stCxn id="4" idx="6"/>
-            <a:endCxn id="5" idx="2"/>
-          </p:cNvCxnSpPr>
-          <p:nvPr/>
-        </p:nvCxnSpPr>
-        <p:spPr>
-          <a:xfrm>
-            <a:off x="2819400" y="3676650"/>
-            <a:ext cx="1066800" cy="0"/>
-          </a:xfrm>
-          <a:prstGeom prst="straightConnector1">
-            <a:avLst/>
-          </a:prstGeom>
-          <a:ln w="38100">
-            <a:tailEnd type="arrow"/>
-          </a:ln>
-        </p:spPr>
-        <p:style>
-          <a:lnRef idx="1">
-            <a:schemeClr val="accent1"/>
-          </a:lnRef>
-          <a:fillRef idx="0">
-            <a:schemeClr val="accent1"/>
-          </a:fillRef>
-          <a:effectRef idx="0">
-            <a:schemeClr val="accent1"/>
-          </a:effectRef>
-          <a:fontRef idx="minor">
-            <a:schemeClr val="tx1"/>
-          </a:fontRef>
-        </p:style>
-      </p:cxnSp>
-      <p:cxnSp>
-        <p:nvCxnSpPr>
-          <p:cNvPr id="10" name="Straight Arrow Connector 9"/>
-          <p:cNvCxnSpPr>
-            <a:stCxn id="5" idx="6"/>
-            <a:endCxn id="6" idx="2"/>
-          </p:cNvCxnSpPr>
-          <p:nvPr/>
-        </p:nvCxnSpPr>
-        <p:spPr>
-          <a:xfrm>
-            <a:off x="5257800" y="3676650"/>
-            <a:ext cx="1181100" cy="0"/>
-          </a:xfrm>
-          <a:prstGeom prst="straightConnector1">
-            <a:avLst/>
-          </a:prstGeom>
-          <a:ln w="38100">
-            <a:tailEnd type="arrow"/>
-          </a:ln>
-        </p:spPr>
-        <p:style>
-          <a:lnRef idx="1">
-            <a:schemeClr val="accent1"/>
-          </a:lnRef>
-          <a:fillRef idx="0">
-            <a:schemeClr val="accent1"/>
-          </a:fillRef>
-          <a:effectRef idx="0">
-            <a:schemeClr val="accent1"/>
-          </a:effectRef>
-          <a:fontRef idx="minor">
-            <a:schemeClr val="tx1"/>
-          </a:fontRef>
-        </p:style>
-      </p:cxnSp>
-      <p:cxnSp>
-        <p:nvCxnSpPr>
-          <p:cNvPr id="14" name="Elbow Connector 13"/>
-          <p:cNvCxnSpPr>
-            <a:stCxn id="6" idx="0"/>
-            <a:endCxn id="4" idx="0"/>
-          </p:cNvCxnSpPr>
-          <p:nvPr/>
-        </p:nvCxnSpPr>
-        <p:spPr>
-          <a:xfrm rot="16200000" flipV="1">
-            <a:off x="4629150" y="685800"/>
-            <a:ext cx="12700" cy="4991100"/>
-          </a:xfrm>
-          <a:prstGeom prst="bentConnector3">
-            <a:avLst>
-              <a:gd name="adj1" fmla="val 1800000"/>
-            </a:avLst>
-          </a:prstGeom>
-          <a:ln w="38100">
-            <a:tailEnd type="arrow"/>
-          </a:ln>
-        </p:spPr>
-        <p:style>
-          <a:lnRef idx="1">
-            <a:schemeClr val="accent1"/>
-          </a:lnRef>
-          <a:fillRef idx="0">
-            <a:schemeClr val="accent1"/>
-          </a:fillRef>
-          <a:effectRef idx="0">
-            <a:schemeClr val="accent1"/>
-          </a:effectRef>
-          <a:fontRef idx="minor">
-            <a:schemeClr val="tx1"/>
-          </a:fontRef>
-        </p:style>
-      </p:cxnSp>
     </p:spTree>
     <p:extLst>
       <p:ext uri="{BB962C8B-B14F-4D97-AF65-F5344CB8AC3E}">
-        <p14:creationId xmlns:p14="http://schemas.microsoft.com/office/powerpoint/2010/main" val="2174254341"/>
+        <p14:creationId xmlns:p14="http://schemas.microsoft.com/office/powerpoint/2010/main" val="887543709"/>
       </p:ext>
     </p:extLst>
   </p:cSld>
@@ -10482,6 +13803,344 @@
       </p:grpSpPr>
       <p:sp>
         <p:nvSpPr>
+          <p:cNvPr id="2" name="Title 1"/>
+          <p:cNvSpPr>
+            <a:spLocks noGrp="1"/>
+          </p:cNvSpPr>
+          <p:nvPr>
+            <p:ph type="title"/>
+          </p:nvPr>
+        </p:nvSpPr>
+        <p:spPr/>
+        <p:txBody>
+          <a:bodyPr/>
+          <a:lstStyle/>
+          <a:p>
+            <a:r>
+              <a:rPr lang="en-US" dirty="0" smtClean="0"/>
+              <a:t>Matrix models for age- or stage-structure</a:t>
+            </a:r>
+            <a:endParaRPr lang="en-US" dirty="0"/>
+          </a:p>
+        </p:txBody>
+      </p:sp>
+      <p:sp>
+        <p:nvSpPr>
+          <p:cNvPr id="3" name="Content Placeholder 2"/>
+          <p:cNvSpPr>
+            <a:spLocks noGrp="1"/>
+          </p:cNvSpPr>
+          <p:nvPr>
+            <p:ph sz="quarter" idx="1"/>
+          </p:nvPr>
+        </p:nvSpPr>
+        <p:spPr>
+          <a:xfrm>
+            <a:off x="457200" y="914400"/>
+            <a:ext cx="8229600" cy="1657350"/>
+          </a:xfrm>
+        </p:spPr>
+        <p:txBody>
+          <a:bodyPr>
+            <a:normAutofit/>
+          </a:bodyPr>
+          <a:lstStyle/>
+          <a:p>
+            <a:r>
+              <a:rPr lang="en-US" dirty="0" smtClean="0"/>
+              <a:t>When vital rates vary by age or stage (e.g. size), matrix models are used to present and analyze demographics</a:t>
+            </a:r>
+          </a:p>
+          <a:p>
+            <a:pPr lvl="1"/>
+            <a:r>
+              <a:rPr lang="en-US" dirty="0" smtClean="0"/>
+              <a:t>Individuals always advance linearly through stages (they can’t shrink or become younger)</a:t>
+            </a:r>
+          </a:p>
+        </p:txBody>
+      </p:sp>
+      <p:sp>
+        <p:nvSpPr>
+          <p:cNvPr id="4" name="Oval 3"/>
+          <p:cNvSpPr/>
+          <p:nvPr/>
+        </p:nvSpPr>
+        <p:spPr>
+          <a:xfrm>
+            <a:off x="1447800" y="3181350"/>
+            <a:ext cx="1371600" cy="990600"/>
+          </a:xfrm>
+          <a:prstGeom prst="ellipse">
+            <a:avLst/>
+          </a:prstGeom>
+        </p:spPr>
+        <p:style>
+          <a:lnRef idx="2">
+            <a:schemeClr val="accent1">
+              <a:shade val="50000"/>
+            </a:schemeClr>
+          </a:lnRef>
+          <a:fillRef idx="1">
+            <a:schemeClr val="accent1"/>
+          </a:fillRef>
+          <a:effectRef idx="0">
+            <a:schemeClr val="accent1"/>
+          </a:effectRef>
+          <a:fontRef idx="minor">
+            <a:schemeClr val="lt1"/>
+          </a:fontRef>
+        </p:style>
+        <p:txBody>
+          <a:bodyPr rtlCol="0" anchor="ctr"/>
+          <a:lstStyle/>
+          <a:p>
+            <a:pPr algn="ctr"/>
+            <a:r>
+              <a:rPr lang="en-US" dirty="0" smtClean="0"/>
+              <a:t>Young of the year</a:t>
+            </a:r>
+            <a:endParaRPr lang="en-US" dirty="0"/>
+          </a:p>
+        </p:txBody>
+      </p:sp>
+      <p:sp>
+        <p:nvSpPr>
+          <p:cNvPr id="5" name="Oval 4"/>
+          <p:cNvSpPr/>
+          <p:nvPr/>
+        </p:nvSpPr>
+        <p:spPr>
+          <a:xfrm>
+            <a:off x="3886200" y="3181350"/>
+            <a:ext cx="1371600" cy="990600"/>
+          </a:xfrm>
+          <a:prstGeom prst="ellipse">
+            <a:avLst/>
+          </a:prstGeom>
+        </p:spPr>
+        <p:style>
+          <a:lnRef idx="2">
+            <a:schemeClr val="accent1">
+              <a:shade val="50000"/>
+            </a:schemeClr>
+          </a:lnRef>
+          <a:fillRef idx="1">
+            <a:schemeClr val="accent1"/>
+          </a:fillRef>
+          <a:effectRef idx="0">
+            <a:schemeClr val="accent1"/>
+          </a:effectRef>
+          <a:fontRef idx="minor">
+            <a:schemeClr val="lt1"/>
+          </a:fontRef>
+        </p:style>
+        <p:txBody>
+          <a:bodyPr rtlCol="0" anchor="ctr"/>
+          <a:lstStyle/>
+          <a:p>
+            <a:pPr algn="ctr"/>
+            <a:r>
+              <a:rPr lang="en-US" dirty="0" smtClean="0"/>
+              <a:t>Juveniles</a:t>
+            </a:r>
+            <a:endParaRPr lang="en-US" dirty="0"/>
+          </a:p>
+        </p:txBody>
+      </p:sp>
+      <p:sp>
+        <p:nvSpPr>
+          <p:cNvPr id="6" name="Oval 5"/>
+          <p:cNvSpPr/>
+          <p:nvPr/>
+        </p:nvSpPr>
+        <p:spPr>
+          <a:xfrm>
+            <a:off x="6438900" y="3181350"/>
+            <a:ext cx="1371600" cy="990600"/>
+          </a:xfrm>
+          <a:prstGeom prst="ellipse">
+            <a:avLst/>
+          </a:prstGeom>
+        </p:spPr>
+        <p:style>
+          <a:lnRef idx="2">
+            <a:schemeClr val="accent1">
+              <a:shade val="50000"/>
+            </a:schemeClr>
+          </a:lnRef>
+          <a:fillRef idx="1">
+            <a:schemeClr val="accent1"/>
+          </a:fillRef>
+          <a:effectRef idx="0">
+            <a:schemeClr val="accent1"/>
+          </a:effectRef>
+          <a:fontRef idx="minor">
+            <a:schemeClr val="lt1"/>
+          </a:fontRef>
+        </p:style>
+        <p:txBody>
+          <a:bodyPr rtlCol="0" anchor="ctr"/>
+          <a:lstStyle/>
+          <a:p>
+            <a:pPr algn="ctr"/>
+            <a:r>
+              <a:rPr lang="en-US" dirty="0" smtClean="0"/>
+              <a:t>Adults</a:t>
+            </a:r>
+            <a:endParaRPr lang="en-US" dirty="0"/>
+          </a:p>
+        </p:txBody>
+      </p:sp>
+      <p:cxnSp>
+        <p:nvCxnSpPr>
+          <p:cNvPr id="8" name="Straight Arrow Connector 7"/>
+          <p:cNvCxnSpPr>
+            <a:stCxn id="4" idx="6"/>
+            <a:endCxn id="5" idx="2"/>
+          </p:cNvCxnSpPr>
+          <p:nvPr/>
+        </p:nvCxnSpPr>
+        <p:spPr>
+          <a:xfrm>
+            <a:off x="2819400" y="3676650"/>
+            <a:ext cx="1066800" cy="0"/>
+          </a:xfrm>
+          <a:prstGeom prst="straightConnector1">
+            <a:avLst/>
+          </a:prstGeom>
+          <a:ln w="38100">
+            <a:tailEnd type="arrow"/>
+          </a:ln>
+        </p:spPr>
+        <p:style>
+          <a:lnRef idx="1">
+            <a:schemeClr val="accent1"/>
+          </a:lnRef>
+          <a:fillRef idx="0">
+            <a:schemeClr val="accent1"/>
+          </a:fillRef>
+          <a:effectRef idx="0">
+            <a:schemeClr val="accent1"/>
+          </a:effectRef>
+          <a:fontRef idx="minor">
+            <a:schemeClr val="tx1"/>
+          </a:fontRef>
+        </p:style>
+      </p:cxnSp>
+      <p:cxnSp>
+        <p:nvCxnSpPr>
+          <p:cNvPr id="10" name="Straight Arrow Connector 9"/>
+          <p:cNvCxnSpPr>
+            <a:stCxn id="5" idx="6"/>
+            <a:endCxn id="6" idx="2"/>
+          </p:cNvCxnSpPr>
+          <p:nvPr/>
+        </p:nvCxnSpPr>
+        <p:spPr>
+          <a:xfrm>
+            <a:off x="5257800" y="3676650"/>
+            <a:ext cx="1181100" cy="0"/>
+          </a:xfrm>
+          <a:prstGeom prst="straightConnector1">
+            <a:avLst/>
+          </a:prstGeom>
+          <a:ln w="38100">
+            <a:tailEnd type="arrow"/>
+          </a:ln>
+        </p:spPr>
+        <p:style>
+          <a:lnRef idx="1">
+            <a:schemeClr val="accent1"/>
+          </a:lnRef>
+          <a:fillRef idx="0">
+            <a:schemeClr val="accent1"/>
+          </a:fillRef>
+          <a:effectRef idx="0">
+            <a:schemeClr val="accent1"/>
+          </a:effectRef>
+          <a:fontRef idx="minor">
+            <a:schemeClr val="tx1"/>
+          </a:fontRef>
+        </p:style>
+      </p:cxnSp>
+      <p:cxnSp>
+        <p:nvCxnSpPr>
+          <p:cNvPr id="14" name="Elbow Connector 13"/>
+          <p:cNvCxnSpPr>
+            <a:stCxn id="6" idx="0"/>
+            <a:endCxn id="4" idx="0"/>
+          </p:cNvCxnSpPr>
+          <p:nvPr/>
+        </p:nvCxnSpPr>
+        <p:spPr>
+          <a:xfrm rot="16200000" flipV="1">
+            <a:off x="4629150" y="685800"/>
+            <a:ext cx="12700" cy="4991100"/>
+          </a:xfrm>
+          <a:prstGeom prst="bentConnector3">
+            <a:avLst>
+              <a:gd name="adj1" fmla="val 1800000"/>
+            </a:avLst>
+          </a:prstGeom>
+          <a:ln w="38100">
+            <a:tailEnd type="arrow"/>
+          </a:ln>
+        </p:spPr>
+        <p:style>
+          <a:lnRef idx="1">
+            <a:schemeClr val="accent1"/>
+          </a:lnRef>
+          <a:fillRef idx="0">
+            <a:schemeClr val="accent1"/>
+          </a:fillRef>
+          <a:effectRef idx="0">
+            <a:schemeClr val="accent1"/>
+          </a:effectRef>
+          <a:fontRef idx="minor">
+            <a:schemeClr val="tx1"/>
+          </a:fontRef>
+        </p:style>
+      </p:cxnSp>
+    </p:spTree>
+    <p:extLst>
+      <p:ext uri="{BB962C8B-B14F-4D97-AF65-F5344CB8AC3E}">
+        <p14:creationId xmlns:p14="http://schemas.microsoft.com/office/powerpoint/2010/main" val="2174254341"/>
+      </p:ext>
+    </p:extLst>
+  </p:cSld>
+  <p:clrMapOvr>
+    <a:masterClrMapping/>
+  </p:clrMapOvr>
+  <p:timing>
+    <p:tnLst>
+      <p:par>
+        <p:cTn id="1" dur="indefinite" restart="never" nodeType="tmRoot"/>
+      </p:par>
+    </p:tnLst>
+  </p:timing>
+</p:sld>
+</file>
+
+<file path=ppt/slides/slide9.xml><?xml version="1.0" encoding="utf-8"?>
+<p:sld xmlns:a="http://schemas.openxmlformats.org/drawingml/2006/main" xmlns:r="http://schemas.openxmlformats.org/officeDocument/2006/relationships" xmlns:p="http://schemas.openxmlformats.org/presentationml/2006/main">
+  <p:cSld>
+    <p:spTree>
+      <p:nvGrpSpPr>
+        <p:cNvPr id="1" name=""/>
+        <p:cNvGrpSpPr/>
+        <p:nvPr/>
+      </p:nvGrpSpPr>
+      <p:grpSpPr>
+        <a:xfrm>
+          <a:off x="0" y="0"/>
+          <a:ext cx="0" cy="0"/>
+          <a:chOff x="0" y="0"/>
+          <a:chExt cx="0" cy="0"/>
+        </a:xfrm>
+      </p:grpSpPr>
+      <p:sp>
+        <p:nvSpPr>
           <p:cNvPr id="5" name="Oval 4"/>
           <p:cNvSpPr/>
           <p:nvPr/>
@@ -10722,8 +14381,8 @@
           </a:fontRef>
         </p:style>
       </p:cxnSp>
-      <mc:AlternateContent xmlns:mc="http://schemas.openxmlformats.org/markup-compatibility/2006">
-        <mc:Choice xmlns:a14="http://schemas.microsoft.com/office/drawing/2010/main" Requires="a14">
+      <mc:AlternateContent xmlns:mc="http://schemas.openxmlformats.org/markup-compatibility/2006" xmlns:a14="http://schemas.microsoft.com/office/drawing/2010/main">
+        <mc:Choice Requires="a14">
           <p:sp>
             <p:nvSpPr>
               <p:cNvPr id="11" name="TextBox 10"/>
@@ -10746,6 +14405,7 @@
               </a:bodyPr>
               <a:lstStyle/>
               <a:p>
+                <a:pPr/>
                 <a14:m>
                   <m:oMathPara xmlns:m="http://schemas.openxmlformats.org/officeDocument/2006/math">
                     <m:oMathParaPr>
@@ -10785,7 +14445,7 @@
             </p:txBody>
           </p:sp>
         </mc:Choice>
-        <mc:Fallback>
+        <mc:Fallback xmlns="">
           <p:sp>
             <p:nvSpPr>
               <p:cNvPr id="11" name="TextBox 10"/>
@@ -10824,8 +14484,8 @@
           </p:sp>
         </mc:Fallback>
       </mc:AlternateContent>
-      <mc:AlternateContent xmlns:mc="http://schemas.openxmlformats.org/markup-compatibility/2006">
-        <mc:Choice xmlns:a14="http://schemas.microsoft.com/office/drawing/2010/main" Requires="a14">
+      <mc:AlternateContent xmlns:mc="http://schemas.openxmlformats.org/markup-compatibility/2006" xmlns:a14="http://schemas.microsoft.com/office/drawing/2010/main">
+        <mc:Choice Requires="a14">
           <p:sp>
             <p:nvSpPr>
               <p:cNvPr id="12" name="TextBox 11"/>
@@ -10848,6 +14508,7 @@
               </a:bodyPr>
               <a:lstStyle/>
               <a:p>
+                <a:pPr/>
                 <a14:m>
                   <m:oMathPara xmlns:m="http://schemas.openxmlformats.org/officeDocument/2006/math">
                     <m:oMathParaPr>
@@ -10887,7 +14548,7 @@
             </p:txBody>
           </p:sp>
         </mc:Choice>
-        <mc:Fallback>
+        <mc:Fallback xmlns="">
           <p:sp>
             <p:nvSpPr>
               <p:cNvPr id="12" name="TextBox 11"/>
@@ -10926,8 +14587,8 @@
           </p:sp>
         </mc:Fallback>
       </mc:AlternateContent>
-      <mc:AlternateContent xmlns:mc="http://schemas.openxmlformats.org/markup-compatibility/2006">
-        <mc:Choice xmlns:a14="http://schemas.microsoft.com/office/drawing/2010/main" Requires="a14">
+      <mc:AlternateContent xmlns:mc="http://schemas.openxmlformats.org/markup-compatibility/2006" xmlns:a14="http://schemas.microsoft.com/office/drawing/2010/main">
+        <mc:Choice Requires="a14">
           <p:sp>
             <p:nvSpPr>
               <p:cNvPr id="13" name="TextBox 12"/>
@@ -10950,6 +14611,7 @@
               </a:bodyPr>
               <a:lstStyle/>
               <a:p>
+                <a:pPr/>
                 <a14:m>
                   <m:oMathPara xmlns:m="http://schemas.openxmlformats.org/officeDocument/2006/math">
                     <m:oMathParaPr>
@@ -10982,7 +14644,7 @@
             </p:txBody>
           </p:sp>
         </mc:Choice>
-        <mc:Fallback>
+        <mc:Fallback xmlns="">
           <p:sp>
             <p:nvSpPr>
               <p:cNvPr id="13" name="TextBox 12"/>
@@ -11021,8 +14683,8 @@
           </p:sp>
         </mc:Fallback>
       </mc:AlternateContent>
-      <mc:AlternateContent xmlns:mc="http://schemas.openxmlformats.org/markup-compatibility/2006">
-        <mc:Choice xmlns:a14="http://schemas.microsoft.com/office/drawing/2010/main" Requires="a14">
+      <mc:AlternateContent xmlns:mc="http://schemas.openxmlformats.org/markup-compatibility/2006" xmlns:a14="http://schemas.microsoft.com/office/drawing/2010/main">
+        <mc:Choice Requires="a14">
           <p:sp>
             <p:nvSpPr>
               <p:cNvPr id="14" name="TextBox 13"/>
@@ -11045,6 +14707,7 @@
               </a:bodyPr>
               <a:lstStyle/>
               <a:p>
+                <a:pPr/>
                 <a14:m>
                   <m:oMathPara xmlns:m="http://schemas.openxmlformats.org/officeDocument/2006/math">
                     <m:oMathParaPr>
@@ -11208,7 +14871,7 @@
             </p:txBody>
           </p:sp>
         </mc:Choice>
-        <mc:Fallback>
+        <mc:Fallback xmlns="">
           <p:sp>
             <p:nvSpPr>
               <p:cNvPr id="14" name="TextBox 13"/>
@@ -11922,110 +15585,6 @@
       <p:bldP spid="21" grpId="0" animBg="1"/>
       <p:bldP spid="26" grpId="0" animBg="1"/>
     </p:bldLst>
-  </p:timing>
-</p:sld>
-</file>
-
-<file path=ppt/slides/slide9.xml><?xml version="1.0" encoding="utf-8"?>
-<p:sld xmlns:a="http://schemas.openxmlformats.org/drawingml/2006/main" xmlns:r="http://schemas.openxmlformats.org/officeDocument/2006/relationships" xmlns:p="http://schemas.openxmlformats.org/presentationml/2006/main">
-  <p:cSld>
-    <p:spTree>
-      <p:nvGrpSpPr>
-        <p:cNvPr id="1" name=""/>
-        <p:cNvGrpSpPr/>
-        <p:nvPr/>
-      </p:nvGrpSpPr>
-      <p:grpSpPr>
-        <a:xfrm>
-          <a:off x="0" y="0"/>
-          <a:ext cx="0" cy="0"/>
-          <a:chOff x="0" y="0"/>
-          <a:chExt cx="0" cy="0"/>
-        </a:xfrm>
-      </p:grpSpPr>
-      <p:sp>
-        <p:nvSpPr>
-          <p:cNvPr id="2" name="Title 1"/>
-          <p:cNvSpPr>
-            <a:spLocks noGrp="1"/>
-          </p:cNvSpPr>
-          <p:nvPr>
-            <p:ph type="title"/>
-          </p:nvPr>
-        </p:nvSpPr>
-        <p:spPr/>
-        <p:txBody>
-          <a:bodyPr/>
-          <a:lstStyle/>
-          <a:p>
-            <a:r>
-              <a:rPr lang="en-US" dirty="0" smtClean="0"/>
-              <a:t>Building a matrix model</a:t>
-            </a:r>
-            <a:endParaRPr lang="en-US" dirty="0"/>
-          </a:p>
-        </p:txBody>
-      </p:sp>
-      <p:sp>
-        <p:nvSpPr>
-          <p:cNvPr id="3" name="Content Placeholder 2"/>
-          <p:cNvSpPr>
-            <a:spLocks noGrp="1"/>
-          </p:cNvSpPr>
-          <p:nvPr>
-            <p:ph sz="quarter" idx="1"/>
-          </p:nvPr>
-        </p:nvSpPr>
-        <p:spPr/>
-        <p:txBody>
-          <a:bodyPr/>
-          <a:lstStyle/>
-          <a:p>
-            <a:r>
-              <a:rPr lang="en-US" dirty="0" smtClean="0"/>
-              <a:t>Can use combination of methods to fill in vital rates</a:t>
-            </a:r>
-          </a:p>
-          <a:p>
-            <a:pPr lvl="1"/>
-            <a:r>
-              <a:rPr lang="en-US" dirty="0" smtClean="0"/>
-              <a:t>Published in the literature</a:t>
-            </a:r>
-          </a:p>
-          <a:p>
-            <a:pPr lvl="1"/>
-            <a:r>
-              <a:rPr lang="en-US" dirty="0" smtClean="0"/>
-              <a:t>Primary analysis of data </a:t>
-            </a:r>
-          </a:p>
-          <a:p>
-            <a:pPr lvl="1"/>
-            <a:r>
-              <a:rPr lang="en-US" dirty="0" smtClean="0"/>
-              <a:t>Expert opinion</a:t>
-            </a:r>
-            <a:endParaRPr lang="en-US" dirty="0"/>
-          </a:p>
-        </p:txBody>
-      </p:sp>
-    </p:spTree>
-    <p:extLst>
-      <p:ext uri="{BB962C8B-B14F-4D97-AF65-F5344CB8AC3E}">
-        <p14:creationId xmlns:p14="http://schemas.microsoft.com/office/powerpoint/2010/main" val="596001709"/>
-      </p:ext>
-    </p:extLst>
-  </p:cSld>
-  <p:clrMapOvr>
-    <a:masterClrMapping/>
-  </p:clrMapOvr>
-  <p:timing>
-    <p:tnLst>
-      <p:par>
-        <p:cTn id="1" dur="indefinite" restart="never" nodeType="tmRoot"/>
-      </p:par>
-    </p:tnLst>
   </p:timing>
 </p:sld>
 </file>
